--- a/doc/YFEL.pptx
+++ b/doc/YFEL.pptx
@@ -104,6 +104,11 @@
       </a:defRPr>
     </a:lvl9pPr>
   </p:defaultTextStyle>
+  <p:extLst>
+    <p:ext uri="{EFAFB233-063F-42B5-8137-9DF3F51BA10A}">
+      <p15:sldGuideLst xmlns:p15="http://schemas.microsoft.com/office/powerpoint/2012/main"/>
+    </p:ext>
+  </p:extLst>
 </p:presentation>
 </file>
 
@@ -3663,7 +3668,7 @@
         <p:spPr>
           <a:xfrm>
             <a:off x="2478038" y="1905251"/>
-            <a:ext cx="1853156" cy="595618"/>
+            <a:ext cx="1853156" cy="284276"/>
           </a:xfrm>
           <a:prstGeom prst="roundRect">
             <a:avLst>
@@ -3866,8 +3871,8 @@
         </p:nvSpPr>
         <p:spPr>
           <a:xfrm>
-            <a:off x="2471956" y="2670048"/>
-            <a:ext cx="941762" cy="595618"/>
+            <a:off x="2475044" y="2353500"/>
+            <a:ext cx="941762" cy="437875"/>
           </a:xfrm>
           <a:prstGeom prst="roundRect">
             <a:avLst>
@@ -3926,8 +3931,8 @@
         </p:nvSpPr>
         <p:spPr>
           <a:xfrm>
-            <a:off x="3602736" y="2670048"/>
-            <a:ext cx="728458" cy="595618"/>
+            <a:off x="3605824" y="2353500"/>
+            <a:ext cx="728458" cy="437875"/>
           </a:xfrm>
           <a:prstGeom prst="roundRect">
             <a:avLst>
@@ -4433,6 +4438,74 @@
                 <a:cs typeface="阿里巴巴普惠体 B" panose="00020600040101010101" pitchFamily="18" charset="-122"/>
               </a:rPr>
               <a:t>LIBUSB</a:t>
+            </a:r>
+            <a:endParaRPr lang="en-US" dirty="0">
+              <a:latin typeface="阿里巴巴普惠体 B" panose="00020600040101010101" pitchFamily="18" charset="-122"/>
+              <a:ea typeface="阿里巴巴普惠体 B" panose="00020600040101010101" pitchFamily="18" charset="-122"/>
+              <a:cs typeface="阿里巴巴普惠体 B" panose="00020600040101010101" pitchFamily="18" charset="-122"/>
+            </a:endParaRPr>
+          </a:p>
+        </p:txBody>
+      </p:sp>
+      <p:sp>
+        <p:nvSpPr>
+          <p:cNvPr id="2" name="矩形: 圆角 1">
+            <a:extLst>
+              <a:ext uri="{FF2B5EF4-FFF2-40B4-BE49-F238E27FC236}">
+                <a16:creationId xmlns:a16="http://schemas.microsoft.com/office/drawing/2014/main" id="{4CB8E84A-378C-4B40-E0EB-F515CC7FE3C7}"/>
+              </a:ext>
+            </a:extLst>
+          </p:cNvPr>
+          <p:cNvSpPr/>
+          <p:nvPr/>
+        </p:nvSpPr>
+        <p:spPr>
+          <a:xfrm>
+            <a:off x="2477846" y="2975545"/>
+            <a:ext cx="1853156" cy="284276"/>
+          </a:xfrm>
+          <a:prstGeom prst="roundRect">
+            <a:avLst>
+              <a:gd name="adj" fmla="val 4288"/>
+            </a:avLst>
+          </a:prstGeom>
+        </p:spPr>
+        <p:style>
+          <a:lnRef idx="2">
+            <a:schemeClr val="accent2">
+              <a:shade val="50000"/>
+            </a:schemeClr>
+          </a:lnRef>
+          <a:fillRef idx="1">
+            <a:schemeClr val="accent2"/>
+          </a:fillRef>
+          <a:effectRef idx="0">
+            <a:schemeClr val="accent2"/>
+          </a:effectRef>
+          <a:fontRef idx="minor">
+            <a:schemeClr val="lt1"/>
+          </a:fontRef>
+        </p:style>
+        <p:txBody>
+          <a:bodyPr rtlCol="0" anchor="ctr"/>
+          <a:lstStyle/>
+          <a:p>
+            <a:pPr algn="ctr"/>
+            <a:r>
+              <a:rPr lang="en-US" altLang="zh-CN" dirty="0">
+                <a:latin typeface="阿里巴巴普惠体 B" panose="00020600040101010101" pitchFamily="18" charset="-122"/>
+                <a:ea typeface="阿里巴巴普惠体 B" panose="00020600040101010101" pitchFamily="18" charset="-122"/>
+                <a:cs typeface="阿里巴巴普惠体 B" panose="00020600040101010101" pitchFamily="18" charset="-122"/>
+              </a:rPr>
+              <a:t>SPI </a:t>
+            </a:r>
+            <a:r>
+              <a:rPr lang="zh-CN" altLang="en-US" dirty="0">
+                <a:latin typeface="阿里巴巴普惠体 B" panose="00020600040101010101" pitchFamily="18" charset="-122"/>
+                <a:ea typeface="阿里巴巴普惠体 B" panose="00020600040101010101" pitchFamily="18" charset="-122"/>
+                <a:cs typeface="阿里巴巴普惠体 B" panose="00020600040101010101" pitchFamily="18" charset="-122"/>
+              </a:rPr>
+              <a:t>通用</a:t>
             </a:r>
             <a:endParaRPr lang="en-US" dirty="0">
               <a:latin typeface="阿里巴巴普惠体 B" panose="00020600040101010101" pitchFamily="18" charset="-122"/>

--- a/doc/YFEL.pptx
+++ b/doc/YFEL.pptx
@@ -1,14 +1,17 @@
 
 <file path=ppt/presentation.xml><?xml version="1.0" encoding="utf-8"?>
-<p:presentation xmlns:a="http://schemas.openxmlformats.org/drawingml/2006/main" xmlns:r="http://schemas.openxmlformats.org/officeDocument/2006/relationships" xmlns:p="http://schemas.openxmlformats.org/presentationml/2006/main" saveSubsetFonts="1">
+<p:presentation xmlns:a="http://schemas.openxmlformats.org/drawingml/2006/main" xmlns:r="http://schemas.openxmlformats.org/officeDocument/2006/relationships" xmlns:p="http://schemas.openxmlformats.org/presentationml/2006/main">
   <p:sldMasterIdLst>
     <p:sldMasterId id="2147483648" r:id="rId1"/>
   </p:sldMasterIdLst>
   <p:sldIdLst>
-    <p:sldId id="256" r:id="rId2"/>
+    <p:sldId id="256" r:id="rId3"/>
   </p:sldIdLst>
   <p:sldSz cx="12192000" cy="6858000"/>
   <p:notesSz cx="6858000" cy="9144000"/>
+  <p:custDataLst>
+    <p:tags r:id="rId7"/>
+  </p:custDataLst>
   <p:defaultTextStyle>
     <a:defPPr>
       <a:defRPr lang="en-US"/>
@@ -104,11 +107,6 @@
       </a:defRPr>
     </a:lvl9pPr>
   </p:defaultTextStyle>
-  <p:extLst>
-    <p:ext uri="{EFAFB233-063F-42B5-8137-9DF3F51BA10A}">
-      <p15:sldGuideLst xmlns:p15="http://schemas.microsoft.com/office/powerpoint/2012/main"/>
-    </p:ext>
-  </p:extLst>
 </p:presentation>
 </file>
 
@@ -131,13 +129,7 @@
       </p:grpSpPr>
       <p:sp>
         <p:nvSpPr>
-          <p:cNvPr id="2" name="标题 1">
-            <a:extLst>
-              <a:ext uri="{FF2B5EF4-FFF2-40B4-BE49-F238E27FC236}">
-                <a16:creationId xmlns:a16="http://schemas.microsoft.com/office/drawing/2014/main" id="{09D716B9-2126-08AE-A539-7B1DA092E91B}"/>
-              </a:ext>
-            </a:extLst>
-          </p:cNvPr>
+          <p:cNvPr id="2" name="标题 1"/>
           <p:cNvSpPr>
             <a:spLocks noGrp="1"/>
           </p:cNvSpPr>
@@ -169,13 +161,7 @@
       </p:sp>
       <p:sp>
         <p:nvSpPr>
-          <p:cNvPr id="3" name="副标题 2">
-            <a:extLst>
-              <a:ext uri="{FF2B5EF4-FFF2-40B4-BE49-F238E27FC236}">
-                <a16:creationId xmlns:a16="http://schemas.microsoft.com/office/drawing/2014/main" id="{F73F1D81-38D6-39E0-8BA7-DADD4638394A}"/>
-              </a:ext>
-            </a:extLst>
-          </p:cNvPr>
+          <p:cNvPr id="3" name="副标题 2"/>
           <p:cNvSpPr>
             <a:spLocks noGrp="1"/>
           </p:cNvSpPr>
@@ -240,13 +226,7 @@
       </p:sp>
       <p:sp>
         <p:nvSpPr>
-          <p:cNvPr id="4" name="日期占位符 3">
-            <a:extLst>
-              <a:ext uri="{FF2B5EF4-FFF2-40B4-BE49-F238E27FC236}">
-                <a16:creationId xmlns:a16="http://schemas.microsoft.com/office/drawing/2014/main" id="{6ED47B7C-994D-847D-DC29-50AD0CCBD763}"/>
-              </a:ext>
-            </a:extLst>
-          </p:cNvPr>
+          <p:cNvPr id="4" name="日期占位符 3"/>
           <p:cNvSpPr>
             <a:spLocks noGrp="1"/>
           </p:cNvSpPr>
@@ -261,7 +241,6 @@
           <a:p>
             <a:fld id="{A74E8ACB-D1D1-49A0-9559-C9C4DDCF93D6}" type="datetimeFigureOut">
               <a:rPr lang="en-US" smtClean="0"/>
-              <a:t>9/28/2022</a:t>
             </a:fld>
             <a:endParaRPr lang="en-US"/>
           </a:p>
@@ -269,13 +248,7 @@
       </p:sp>
       <p:sp>
         <p:nvSpPr>
-          <p:cNvPr id="5" name="页脚占位符 4">
-            <a:extLst>
-              <a:ext uri="{FF2B5EF4-FFF2-40B4-BE49-F238E27FC236}">
-                <a16:creationId xmlns:a16="http://schemas.microsoft.com/office/drawing/2014/main" id="{E744A1C4-CC5F-7094-E19B-2B57F12226EE}"/>
-              </a:ext>
-            </a:extLst>
-          </p:cNvPr>
+          <p:cNvPr id="5" name="页脚占位符 4"/>
           <p:cNvSpPr>
             <a:spLocks noGrp="1"/>
           </p:cNvSpPr>
@@ -294,13 +267,7 @@
       </p:sp>
       <p:sp>
         <p:nvSpPr>
-          <p:cNvPr id="6" name="灯片编号占位符 5">
-            <a:extLst>
-              <a:ext uri="{FF2B5EF4-FFF2-40B4-BE49-F238E27FC236}">
-                <a16:creationId xmlns:a16="http://schemas.microsoft.com/office/drawing/2014/main" id="{71C2B3AC-BCD8-94E7-9E79-FEC1C8E33CB9}"/>
-              </a:ext>
-            </a:extLst>
-          </p:cNvPr>
+          <p:cNvPr id="6" name="灯片编号占位符 5"/>
           <p:cNvSpPr>
             <a:spLocks noGrp="1"/>
           </p:cNvSpPr>
@@ -315,18 +282,12 @@
           <a:p>
             <a:fld id="{E3517A02-5F04-449E-9916-438BFF0576DD}" type="slidenum">
               <a:rPr lang="en-US" smtClean="0"/>
-              <a:t>‹#›</a:t>
             </a:fld>
             <a:endParaRPr lang="en-US"/>
           </a:p>
         </p:txBody>
       </p:sp>
     </p:spTree>
-    <p:extLst>
-      <p:ext uri="{BB962C8B-B14F-4D97-AF65-F5344CB8AC3E}">
-        <p14:creationId xmlns:p14="http://schemas.microsoft.com/office/powerpoint/2010/main" val="1329046981"/>
-      </p:ext>
-    </p:extLst>
   </p:cSld>
   <p:clrMapOvr>
     <a:masterClrMapping/>
@@ -353,13 +314,7 @@
       </p:grpSpPr>
       <p:sp>
         <p:nvSpPr>
-          <p:cNvPr id="2" name="标题 1">
-            <a:extLst>
-              <a:ext uri="{FF2B5EF4-FFF2-40B4-BE49-F238E27FC236}">
-                <a16:creationId xmlns:a16="http://schemas.microsoft.com/office/drawing/2014/main" id="{2FB17AFC-3B75-12F3-1E10-D0A3A8D0DA17}"/>
-              </a:ext>
-            </a:extLst>
-          </p:cNvPr>
+          <p:cNvPr id="2" name="标题 1"/>
           <p:cNvSpPr>
             <a:spLocks noGrp="1"/>
           </p:cNvSpPr>
@@ -382,13 +337,7 @@
       </p:sp>
       <p:sp>
         <p:nvSpPr>
-          <p:cNvPr id="3" name="竖排文字占位符 2">
-            <a:extLst>
-              <a:ext uri="{FF2B5EF4-FFF2-40B4-BE49-F238E27FC236}">
-                <a16:creationId xmlns:a16="http://schemas.microsoft.com/office/drawing/2014/main" id="{91C199E7-E4B4-FB84-583E-98652D2F27E2}"/>
-              </a:ext>
-            </a:extLst>
-          </p:cNvPr>
+          <p:cNvPr id="3" name="竖排文字占位符 2"/>
           <p:cNvSpPr>
             <a:spLocks noGrp="1"/>
           </p:cNvSpPr>
@@ -406,6 +355,7 @@
               <a:rPr lang="zh-CN" altLang="en-US"/>
               <a:t>单击此处编辑母版文本样式</a:t>
             </a:r>
+            <a:endParaRPr lang="zh-CN" altLang="en-US"/>
           </a:p>
           <a:p>
             <a:pPr lvl="1"/>
@@ -413,6 +363,7 @@
               <a:rPr lang="zh-CN" altLang="en-US"/>
               <a:t>二级</a:t>
             </a:r>
+            <a:endParaRPr lang="zh-CN" altLang="en-US"/>
           </a:p>
           <a:p>
             <a:pPr lvl="2"/>
@@ -420,6 +371,7 @@
               <a:rPr lang="zh-CN" altLang="en-US"/>
               <a:t>三级</a:t>
             </a:r>
+            <a:endParaRPr lang="zh-CN" altLang="en-US"/>
           </a:p>
           <a:p>
             <a:pPr lvl="3"/>
@@ -427,6 +379,7 @@
               <a:rPr lang="zh-CN" altLang="en-US"/>
               <a:t>四级</a:t>
             </a:r>
+            <a:endParaRPr lang="zh-CN" altLang="en-US"/>
           </a:p>
           <a:p>
             <a:pPr lvl="4"/>
@@ -440,13 +393,7 @@
       </p:sp>
       <p:sp>
         <p:nvSpPr>
-          <p:cNvPr id="4" name="日期占位符 3">
-            <a:extLst>
-              <a:ext uri="{FF2B5EF4-FFF2-40B4-BE49-F238E27FC236}">
-                <a16:creationId xmlns:a16="http://schemas.microsoft.com/office/drawing/2014/main" id="{CD3D8748-D23C-E5C5-40C4-15796ABA4A7E}"/>
-              </a:ext>
-            </a:extLst>
-          </p:cNvPr>
+          <p:cNvPr id="4" name="日期占位符 3"/>
           <p:cNvSpPr>
             <a:spLocks noGrp="1"/>
           </p:cNvSpPr>
@@ -461,7 +408,6 @@
           <a:p>
             <a:fld id="{A74E8ACB-D1D1-49A0-9559-C9C4DDCF93D6}" type="datetimeFigureOut">
               <a:rPr lang="en-US" smtClean="0"/>
-              <a:t>9/28/2022</a:t>
             </a:fld>
             <a:endParaRPr lang="en-US"/>
           </a:p>
@@ -469,13 +415,7 @@
       </p:sp>
       <p:sp>
         <p:nvSpPr>
-          <p:cNvPr id="5" name="页脚占位符 4">
-            <a:extLst>
-              <a:ext uri="{FF2B5EF4-FFF2-40B4-BE49-F238E27FC236}">
-                <a16:creationId xmlns:a16="http://schemas.microsoft.com/office/drawing/2014/main" id="{7B6D468B-C239-545F-03E3-45F259EB5730}"/>
-              </a:ext>
-            </a:extLst>
-          </p:cNvPr>
+          <p:cNvPr id="5" name="页脚占位符 4"/>
           <p:cNvSpPr>
             <a:spLocks noGrp="1"/>
           </p:cNvSpPr>
@@ -494,13 +434,7 @@
       </p:sp>
       <p:sp>
         <p:nvSpPr>
-          <p:cNvPr id="6" name="灯片编号占位符 5">
-            <a:extLst>
-              <a:ext uri="{FF2B5EF4-FFF2-40B4-BE49-F238E27FC236}">
-                <a16:creationId xmlns:a16="http://schemas.microsoft.com/office/drawing/2014/main" id="{3B586DD5-267E-B123-FA20-748B25937489}"/>
-              </a:ext>
-            </a:extLst>
-          </p:cNvPr>
+          <p:cNvPr id="6" name="灯片编号占位符 5"/>
           <p:cNvSpPr>
             <a:spLocks noGrp="1"/>
           </p:cNvSpPr>
@@ -515,18 +449,12 @@
           <a:p>
             <a:fld id="{E3517A02-5F04-449E-9916-438BFF0576DD}" type="slidenum">
               <a:rPr lang="en-US" smtClean="0"/>
-              <a:t>‹#›</a:t>
             </a:fld>
             <a:endParaRPr lang="en-US"/>
           </a:p>
         </p:txBody>
       </p:sp>
     </p:spTree>
-    <p:extLst>
-      <p:ext uri="{BB962C8B-B14F-4D97-AF65-F5344CB8AC3E}">
-        <p14:creationId xmlns:p14="http://schemas.microsoft.com/office/powerpoint/2010/main" val="798507099"/>
-      </p:ext>
-    </p:extLst>
   </p:cSld>
   <p:clrMapOvr>
     <a:masterClrMapping/>
@@ -553,13 +481,7 @@
       </p:grpSpPr>
       <p:sp>
         <p:nvSpPr>
-          <p:cNvPr id="2" name="竖排标题 1">
-            <a:extLst>
-              <a:ext uri="{FF2B5EF4-FFF2-40B4-BE49-F238E27FC236}">
-                <a16:creationId xmlns:a16="http://schemas.microsoft.com/office/drawing/2014/main" id="{CB807F78-C2EC-9B1B-68E9-571CA828CCF0}"/>
-              </a:ext>
-            </a:extLst>
-          </p:cNvPr>
+          <p:cNvPr id="2" name="竖排标题 1"/>
           <p:cNvSpPr>
             <a:spLocks noGrp="1"/>
           </p:cNvSpPr>
@@ -587,13 +509,7 @@
       </p:sp>
       <p:sp>
         <p:nvSpPr>
-          <p:cNvPr id="3" name="竖排文字占位符 2">
-            <a:extLst>
-              <a:ext uri="{FF2B5EF4-FFF2-40B4-BE49-F238E27FC236}">
-                <a16:creationId xmlns:a16="http://schemas.microsoft.com/office/drawing/2014/main" id="{D7E162C6-E109-929C-354E-E60371D89F6A}"/>
-              </a:ext>
-            </a:extLst>
-          </p:cNvPr>
+          <p:cNvPr id="3" name="竖排文字占位符 2"/>
           <p:cNvSpPr>
             <a:spLocks noGrp="1"/>
           </p:cNvSpPr>
@@ -616,6 +532,7 @@
               <a:rPr lang="zh-CN" altLang="en-US"/>
               <a:t>单击此处编辑母版文本样式</a:t>
             </a:r>
+            <a:endParaRPr lang="zh-CN" altLang="en-US"/>
           </a:p>
           <a:p>
             <a:pPr lvl="1"/>
@@ -623,6 +540,7 @@
               <a:rPr lang="zh-CN" altLang="en-US"/>
               <a:t>二级</a:t>
             </a:r>
+            <a:endParaRPr lang="zh-CN" altLang="en-US"/>
           </a:p>
           <a:p>
             <a:pPr lvl="2"/>
@@ -630,6 +548,7 @@
               <a:rPr lang="zh-CN" altLang="en-US"/>
               <a:t>三级</a:t>
             </a:r>
+            <a:endParaRPr lang="zh-CN" altLang="en-US"/>
           </a:p>
           <a:p>
             <a:pPr lvl="3"/>
@@ -637,6 +556,7 @@
               <a:rPr lang="zh-CN" altLang="en-US"/>
               <a:t>四级</a:t>
             </a:r>
+            <a:endParaRPr lang="zh-CN" altLang="en-US"/>
           </a:p>
           <a:p>
             <a:pPr lvl="4"/>
@@ -650,13 +570,7 @@
       </p:sp>
       <p:sp>
         <p:nvSpPr>
-          <p:cNvPr id="4" name="日期占位符 3">
-            <a:extLst>
-              <a:ext uri="{FF2B5EF4-FFF2-40B4-BE49-F238E27FC236}">
-                <a16:creationId xmlns:a16="http://schemas.microsoft.com/office/drawing/2014/main" id="{1F41A337-39F7-282A-7B2F-7308C13D60A0}"/>
-              </a:ext>
-            </a:extLst>
-          </p:cNvPr>
+          <p:cNvPr id="4" name="日期占位符 3"/>
           <p:cNvSpPr>
             <a:spLocks noGrp="1"/>
           </p:cNvSpPr>
@@ -671,7 +585,6 @@
           <a:p>
             <a:fld id="{A74E8ACB-D1D1-49A0-9559-C9C4DDCF93D6}" type="datetimeFigureOut">
               <a:rPr lang="en-US" smtClean="0"/>
-              <a:t>9/28/2022</a:t>
             </a:fld>
             <a:endParaRPr lang="en-US"/>
           </a:p>
@@ -679,13 +592,7 @@
       </p:sp>
       <p:sp>
         <p:nvSpPr>
-          <p:cNvPr id="5" name="页脚占位符 4">
-            <a:extLst>
-              <a:ext uri="{FF2B5EF4-FFF2-40B4-BE49-F238E27FC236}">
-                <a16:creationId xmlns:a16="http://schemas.microsoft.com/office/drawing/2014/main" id="{C0878907-51BD-4101-0368-7D634040446B}"/>
-              </a:ext>
-            </a:extLst>
-          </p:cNvPr>
+          <p:cNvPr id="5" name="页脚占位符 4"/>
           <p:cNvSpPr>
             <a:spLocks noGrp="1"/>
           </p:cNvSpPr>
@@ -704,13 +611,7 @@
       </p:sp>
       <p:sp>
         <p:nvSpPr>
-          <p:cNvPr id="6" name="灯片编号占位符 5">
-            <a:extLst>
-              <a:ext uri="{FF2B5EF4-FFF2-40B4-BE49-F238E27FC236}">
-                <a16:creationId xmlns:a16="http://schemas.microsoft.com/office/drawing/2014/main" id="{E62E9E40-1728-F456-3A27-6360DCEE67DB}"/>
-              </a:ext>
-            </a:extLst>
-          </p:cNvPr>
+          <p:cNvPr id="6" name="灯片编号占位符 5"/>
           <p:cNvSpPr>
             <a:spLocks noGrp="1"/>
           </p:cNvSpPr>
@@ -725,18 +626,12 @@
           <a:p>
             <a:fld id="{E3517A02-5F04-449E-9916-438BFF0576DD}" type="slidenum">
               <a:rPr lang="en-US" smtClean="0"/>
-              <a:t>‹#›</a:t>
             </a:fld>
             <a:endParaRPr lang="en-US"/>
           </a:p>
         </p:txBody>
       </p:sp>
     </p:spTree>
-    <p:extLst>
-      <p:ext uri="{BB962C8B-B14F-4D97-AF65-F5344CB8AC3E}">
-        <p14:creationId xmlns:p14="http://schemas.microsoft.com/office/powerpoint/2010/main" val="1766239709"/>
-      </p:ext>
-    </p:extLst>
   </p:cSld>
   <p:clrMapOvr>
     <a:masterClrMapping/>
@@ -763,13 +658,7 @@
       </p:grpSpPr>
       <p:sp>
         <p:nvSpPr>
-          <p:cNvPr id="2" name="标题 1">
-            <a:extLst>
-              <a:ext uri="{FF2B5EF4-FFF2-40B4-BE49-F238E27FC236}">
-                <a16:creationId xmlns:a16="http://schemas.microsoft.com/office/drawing/2014/main" id="{77CB5D84-B229-4C0A-2534-3190D7862369}"/>
-              </a:ext>
-            </a:extLst>
-          </p:cNvPr>
+          <p:cNvPr id="2" name="标题 1"/>
           <p:cNvSpPr>
             <a:spLocks noGrp="1"/>
           </p:cNvSpPr>
@@ -792,13 +681,7 @@
       </p:sp>
       <p:sp>
         <p:nvSpPr>
-          <p:cNvPr id="3" name="内容占位符 2">
-            <a:extLst>
-              <a:ext uri="{FF2B5EF4-FFF2-40B4-BE49-F238E27FC236}">
-                <a16:creationId xmlns:a16="http://schemas.microsoft.com/office/drawing/2014/main" id="{E4C83E06-B29C-0400-DC68-BA870930C673}"/>
-              </a:ext>
-            </a:extLst>
-          </p:cNvPr>
+          <p:cNvPr id="3" name="内容占位符 2"/>
           <p:cNvSpPr>
             <a:spLocks noGrp="1"/>
           </p:cNvSpPr>
@@ -816,6 +699,7 @@
               <a:rPr lang="zh-CN" altLang="en-US"/>
               <a:t>单击此处编辑母版文本样式</a:t>
             </a:r>
+            <a:endParaRPr lang="zh-CN" altLang="en-US"/>
           </a:p>
           <a:p>
             <a:pPr lvl="1"/>
@@ -823,6 +707,7 @@
               <a:rPr lang="zh-CN" altLang="en-US"/>
               <a:t>二级</a:t>
             </a:r>
+            <a:endParaRPr lang="zh-CN" altLang="en-US"/>
           </a:p>
           <a:p>
             <a:pPr lvl="2"/>
@@ -830,6 +715,7 @@
               <a:rPr lang="zh-CN" altLang="en-US"/>
               <a:t>三级</a:t>
             </a:r>
+            <a:endParaRPr lang="zh-CN" altLang="en-US"/>
           </a:p>
           <a:p>
             <a:pPr lvl="3"/>
@@ -837,6 +723,7 @@
               <a:rPr lang="zh-CN" altLang="en-US"/>
               <a:t>四级</a:t>
             </a:r>
+            <a:endParaRPr lang="zh-CN" altLang="en-US"/>
           </a:p>
           <a:p>
             <a:pPr lvl="4"/>
@@ -850,13 +737,7 @@
       </p:sp>
       <p:sp>
         <p:nvSpPr>
-          <p:cNvPr id="4" name="日期占位符 3">
-            <a:extLst>
-              <a:ext uri="{FF2B5EF4-FFF2-40B4-BE49-F238E27FC236}">
-                <a16:creationId xmlns:a16="http://schemas.microsoft.com/office/drawing/2014/main" id="{7CACA4B3-2907-DA65-0C0E-E7E838752966}"/>
-              </a:ext>
-            </a:extLst>
-          </p:cNvPr>
+          <p:cNvPr id="4" name="日期占位符 3"/>
           <p:cNvSpPr>
             <a:spLocks noGrp="1"/>
           </p:cNvSpPr>
@@ -871,7 +752,6 @@
           <a:p>
             <a:fld id="{A74E8ACB-D1D1-49A0-9559-C9C4DDCF93D6}" type="datetimeFigureOut">
               <a:rPr lang="en-US" smtClean="0"/>
-              <a:t>9/28/2022</a:t>
             </a:fld>
             <a:endParaRPr lang="en-US"/>
           </a:p>
@@ -879,13 +759,7 @@
       </p:sp>
       <p:sp>
         <p:nvSpPr>
-          <p:cNvPr id="5" name="页脚占位符 4">
-            <a:extLst>
-              <a:ext uri="{FF2B5EF4-FFF2-40B4-BE49-F238E27FC236}">
-                <a16:creationId xmlns:a16="http://schemas.microsoft.com/office/drawing/2014/main" id="{ED4A118C-2946-1DDF-F897-766863CB6EE2}"/>
-              </a:ext>
-            </a:extLst>
-          </p:cNvPr>
+          <p:cNvPr id="5" name="页脚占位符 4"/>
           <p:cNvSpPr>
             <a:spLocks noGrp="1"/>
           </p:cNvSpPr>
@@ -904,13 +778,7 @@
       </p:sp>
       <p:sp>
         <p:nvSpPr>
-          <p:cNvPr id="6" name="灯片编号占位符 5">
-            <a:extLst>
-              <a:ext uri="{FF2B5EF4-FFF2-40B4-BE49-F238E27FC236}">
-                <a16:creationId xmlns:a16="http://schemas.microsoft.com/office/drawing/2014/main" id="{65A1305E-87FA-B170-F93E-EB15822FD4F3}"/>
-              </a:ext>
-            </a:extLst>
-          </p:cNvPr>
+          <p:cNvPr id="6" name="灯片编号占位符 5"/>
           <p:cNvSpPr>
             <a:spLocks noGrp="1"/>
           </p:cNvSpPr>
@@ -925,18 +793,12 @@
           <a:p>
             <a:fld id="{E3517A02-5F04-449E-9916-438BFF0576DD}" type="slidenum">
               <a:rPr lang="en-US" smtClean="0"/>
-              <a:t>‹#›</a:t>
             </a:fld>
             <a:endParaRPr lang="en-US"/>
           </a:p>
         </p:txBody>
       </p:sp>
     </p:spTree>
-    <p:extLst>
-      <p:ext uri="{BB962C8B-B14F-4D97-AF65-F5344CB8AC3E}">
-        <p14:creationId xmlns:p14="http://schemas.microsoft.com/office/powerpoint/2010/main" val="3224647268"/>
-      </p:ext>
-    </p:extLst>
   </p:cSld>
   <p:clrMapOvr>
     <a:masterClrMapping/>
@@ -963,13 +825,7 @@
       </p:grpSpPr>
       <p:sp>
         <p:nvSpPr>
-          <p:cNvPr id="2" name="标题 1">
-            <a:extLst>
-              <a:ext uri="{FF2B5EF4-FFF2-40B4-BE49-F238E27FC236}">
-                <a16:creationId xmlns:a16="http://schemas.microsoft.com/office/drawing/2014/main" id="{F7A62FC4-336C-4DA9-6ACA-14274369649A}"/>
-              </a:ext>
-            </a:extLst>
-          </p:cNvPr>
+          <p:cNvPr id="2" name="标题 1"/>
           <p:cNvSpPr>
             <a:spLocks noGrp="1"/>
           </p:cNvSpPr>
@@ -1001,13 +857,7 @@
       </p:sp>
       <p:sp>
         <p:nvSpPr>
-          <p:cNvPr id="3" name="文本占位符 2">
-            <a:extLst>
-              <a:ext uri="{FF2B5EF4-FFF2-40B4-BE49-F238E27FC236}">
-                <a16:creationId xmlns:a16="http://schemas.microsoft.com/office/drawing/2014/main" id="{60BD6F7D-1F55-901C-46E6-2EE9CF9A8E88}"/>
-              </a:ext>
-            </a:extLst>
-          </p:cNvPr>
+          <p:cNvPr id="3" name="文本占位符 2"/>
           <p:cNvSpPr>
             <a:spLocks noGrp="1"/>
           </p:cNvSpPr>
@@ -1121,18 +971,13 @@
               <a:rPr lang="zh-CN" altLang="en-US"/>
               <a:t>单击此处编辑母版文本样式</a:t>
             </a:r>
-          </a:p>
-        </p:txBody>
-      </p:sp>
-      <p:sp>
-        <p:nvSpPr>
-          <p:cNvPr id="4" name="日期占位符 3">
-            <a:extLst>
-              <a:ext uri="{FF2B5EF4-FFF2-40B4-BE49-F238E27FC236}">
-                <a16:creationId xmlns:a16="http://schemas.microsoft.com/office/drawing/2014/main" id="{5920C8AB-E1CE-6C01-66EC-178C463976D1}"/>
-              </a:ext>
-            </a:extLst>
-          </p:cNvPr>
+            <a:endParaRPr lang="zh-CN" altLang="en-US"/>
+          </a:p>
+        </p:txBody>
+      </p:sp>
+      <p:sp>
+        <p:nvSpPr>
+          <p:cNvPr id="4" name="日期占位符 3"/>
           <p:cNvSpPr>
             <a:spLocks noGrp="1"/>
           </p:cNvSpPr>
@@ -1147,7 +992,6 @@
           <a:p>
             <a:fld id="{A74E8ACB-D1D1-49A0-9559-C9C4DDCF93D6}" type="datetimeFigureOut">
               <a:rPr lang="en-US" smtClean="0"/>
-              <a:t>9/28/2022</a:t>
             </a:fld>
             <a:endParaRPr lang="en-US"/>
           </a:p>
@@ -1155,13 +999,7 @@
       </p:sp>
       <p:sp>
         <p:nvSpPr>
-          <p:cNvPr id="5" name="页脚占位符 4">
-            <a:extLst>
-              <a:ext uri="{FF2B5EF4-FFF2-40B4-BE49-F238E27FC236}">
-                <a16:creationId xmlns:a16="http://schemas.microsoft.com/office/drawing/2014/main" id="{2BE38669-5893-1AEC-07F5-14AFDA2C4B68}"/>
-              </a:ext>
-            </a:extLst>
-          </p:cNvPr>
+          <p:cNvPr id="5" name="页脚占位符 4"/>
           <p:cNvSpPr>
             <a:spLocks noGrp="1"/>
           </p:cNvSpPr>
@@ -1180,13 +1018,7 @@
       </p:sp>
       <p:sp>
         <p:nvSpPr>
-          <p:cNvPr id="6" name="灯片编号占位符 5">
-            <a:extLst>
-              <a:ext uri="{FF2B5EF4-FFF2-40B4-BE49-F238E27FC236}">
-                <a16:creationId xmlns:a16="http://schemas.microsoft.com/office/drawing/2014/main" id="{A6461C3F-7EF3-6F6E-0996-DD089F76B32F}"/>
-              </a:ext>
-            </a:extLst>
-          </p:cNvPr>
+          <p:cNvPr id="6" name="灯片编号占位符 5"/>
           <p:cNvSpPr>
             <a:spLocks noGrp="1"/>
           </p:cNvSpPr>
@@ -1201,18 +1033,12 @@
           <a:p>
             <a:fld id="{E3517A02-5F04-449E-9916-438BFF0576DD}" type="slidenum">
               <a:rPr lang="en-US" smtClean="0"/>
-              <a:t>‹#›</a:t>
             </a:fld>
             <a:endParaRPr lang="en-US"/>
           </a:p>
         </p:txBody>
       </p:sp>
     </p:spTree>
-    <p:extLst>
-      <p:ext uri="{BB962C8B-B14F-4D97-AF65-F5344CB8AC3E}">
-        <p14:creationId xmlns:p14="http://schemas.microsoft.com/office/powerpoint/2010/main" val="3245089233"/>
-      </p:ext>
-    </p:extLst>
   </p:cSld>
   <p:clrMapOvr>
     <a:masterClrMapping/>
@@ -1239,13 +1065,7 @@
       </p:grpSpPr>
       <p:sp>
         <p:nvSpPr>
-          <p:cNvPr id="2" name="标题 1">
-            <a:extLst>
-              <a:ext uri="{FF2B5EF4-FFF2-40B4-BE49-F238E27FC236}">
-                <a16:creationId xmlns:a16="http://schemas.microsoft.com/office/drawing/2014/main" id="{1279E3AE-4006-F101-A43E-DF57F26CADEB}"/>
-              </a:ext>
-            </a:extLst>
-          </p:cNvPr>
+          <p:cNvPr id="2" name="标题 1"/>
           <p:cNvSpPr>
             <a:spLocks noGrp="1"/>
           </p:cNvSpPr>
@@ -1268,13 +1088,7 @@
       </p:sp>
       <p:sp>
         <p:nvSpPr>
-          <p:cNvPr id="3" name="内容占位符 2">
-            <a:extLst>
-              <a:ext uri="{FF2B5EF4-FFF2-40B4-BE49-F238E27FC236}">
-                <a16:creationId xmlns:a16="http://schemas.microsoft.com/office/drawing/2014/main" id="{B5551F67-FA3A-3A10-5140-2EBF762473F5}"/>
-              </a:ext>
-            </a:extLst>
-          </p:cNvPr>
+          <p:cNvPr id="3" name="内容占位符 2"/>
           <p:cNvSpPr>
             <a:spLocks noGrp="1"/>
           </p:cNvSpPr>
@@ -1297,6 +1111,7 @@
               <a:rPr lang="zh-CN" altLang="en-US"/>
               <a:t>单击此处编辑母版文本样式</a:t>
             </a:r>
+            <a:endParaRPr lang="zh-CN" altLang="en-US"/>
           </a:p>
           <a:p>
             <a:pPr lvl="1"/>
@@ -1304,6 +1119,7 @@
               <a:rPr lang="zh-CN" altLang="en-US"/>
               <a:t>二级</a:t>
             </a:r>
+            <a:endParaRPr lang="zh-CN" altLang="en-US"/>
           </a:p>
           <a:p>
             <a:pPr lvl="2"/>
@@ -1311,6 +1127,7 @@
               <a:rPr lang="zh-CN" altLang="en-US"/>
               <a:t>三级</a:t>
             </a:r>
+            <a:endParaRPr lang="zh-CN" altLang="en-US"/>
           </a:p>
           <a:p>
             <a:pPr lvl="3"/>
@@ -1318,6 +1135,7 @@
               <a:rPr lang="zh-CN" altLang="en-US"/>
               <a:t>四级</a:t>
             </a:r>
+            <a:endParaRPr lang="zh-CN" altLang="en-US"/>
           </a:p>
           <a:p>
             <a:pPr lvl="4"/>
@@ -1331,13 +1149,7 @@
       </p:sp>
       <p:sp>
         <p:nvSpPr>
-          <p:cNvPr id="4" name="内容占位符 3">
-            <a:extLst>
-              <a:ext uri="{FF2B5EF4-FFF2-40B4-BE49-F238E27FC236}">
-                <a16:creationId xmlns:a16="http://schemas.microsoft.com/office/drawing/2014/main" id="{FBF02B5C-6019-71D9-2BCA-1FF6B4932F20}"/>
-              </a:ext>
-            </a:extLst>
-          </p:cNvPr>
+          <p:cNvPr id="4" name="内容占位符 3"/>
           <p:cNvSpPr>
             <a:spLocks noGrp="1"/>
           </p:cNvSpPr>
@@ -1360,6 +1172,7 @@
               <a:rPr lang="zh-CN" altLang="en-US"/>
               <a:t>单击此处编辑母版文本样式</a:t>
             </a:r>
+            <a:endParaRPr lang="zh-CN" altLang="en-US"/>
           </a:p>
           <a:p>
             <a:pPr lvl="1"/>
@@ -1367,6 +1180,7 @@
               <a:rPr lang="zh-CN" altLang="en-US"/>
               <a:t>二级</a:t>
             </a:r>
+            <a:endParaRPr lang="zh-CN" altLang="en-US"/>
           </a:p>
           <a:p>
             <a:pPr lvl="2"/>
@@ -1374,6 +1188,7 @@
               <a:rPr lang="zh-CN" altLang="en-US"/>
               <a:t>三级</a:t>
             </a:r>
+            <a:endParaRPr lang="zh-CN" altLang="en-US"/>
           </a:p>
           <a:p>
             <a:pPr lvl="3"/>
@@ -1381,6 +1196,7 @@
               <a:rPr lang="zh-CN" altLang="en-US"/>
               <a:t>四级</a:t>
             </a:r>
+            <a:endParaRPr lang="zh-CN" altLang="en-US"/>
           </a:p>
           <a:p>
             <a:pPr lvl="4"/>
@@ -1394,13 +1210,7 @@
       </p:sp>
       <p:sp>
         <p:nvSpPr>
-          <p:cNvPr id="5" name="日期占位符 4">
-            <a:extLst>
-              <a:ext uri="{FF2B5EF4-FFF2-40B4-BE49-F238E27FC236}">
-                <a16:creationId xmlns:a16="http://schemas.microsoft.com/office/drawing/2014/main" id="{0F29988F-884A-92DD-B756-05AF9A7F16B1}"/>
-              </a:ext>
-            </a:extLst>
-          </p:cNvPr>
+          <p:cNvPr id="5" name="日期占位符 4"/>
           <p:cNvSpPr>
             <a:spLocks noGrp="1"/>
           </p:cNvSpPr>
@@ -1415,7 +1225,6 @@
           <a:p>
             <a:fld id="{A74E8ACB-D1D1-49A0-9559-C9C4DDCF93D6}" type="datetimeFigureOut">
               <a:rPr lang="en-US" smtClean="0"/>
-              <a:t>9/28/2022</a:t>
             </a:fld>
             <a:endParaRPr lang="en-US"/>
           </a:p>
@@ -1423,13 +1232,7 @@
       </p:sp>
       <p:sp>
         <p:nvSpPr>
-          <p:cNvPr id="6" name="页脚占位符 5">
-            <a:extLst>
-              <a:ext uri="{FF2B5EF4-FFF2-40B4-BE49-F238E27FC236}">
-                <a16:creationId xmlns:a16="http://schemas.microsoft.com/office/drawing/2014/main" id="{605BAE3C-F380-1297-1AF2-70A8DDCFC669}"/>
-              </a:ext>
-            </a:extLst>
-          </p:cNvPr>
+          <p:cNvPr id="6" name="页脚占位符 5"/>
           <p:cNvSpPr>
             <a:spLocks noGrp="1"/>
           </p:cNvSpPr>
@@ -1448,13 +1251,7 @@
       </p:sp>
       <p:sp>
         <p:nvSpPr>
-          <p:cNvPr id="7" name="灯片编号占位符 6">
-            <a:extLst>
-              <a:ext uri="{FF2B5EF4-FFF2-40B4-BE49-F238E27FC236}">
-                <a16:creationId xmlns:a16="http://schemas.microsoft.com/office/drawing/2014/main" id="{9FE95A77-7438-72BB-14B6-2F7A61CEA280}"/>
-              </a:ext>
-            </a:extLst>
-          </p:cNvPr>
+          <p:cNvPr id="7" name="灯片编号占位符 6"/>
           <p:cNvSpPr>
             <a:spLocks noGrp="1"/>
           </p:cNvSpPr>
@@ -1469,18 +1266,12 @@
           <a:p>
             <a:fld id="{E3517A02-5F04-449E-9916-438BFF0576DD}" type="slidenum">
               <a:rPr lang="en-US" smtClean="0"/>
-              <a:t>‹#›</a:t>
             </a:fld>
             <a:endParaRPr lang="en-US"/>
           </a:p>
         </p:txBody>
       </p:sp>
     </p:spTree>
-    <p:extLst>
-      <p:ext uri="{BB962C8B-B14F-4D97-AF65-F5344CB8AC3E}">
-        <p14:creationId xmlns:p14="http://schemas.microsoft.com/office/powerpoint/2010/main" val="2937479572"/>
-      </p:ext>
-    </p:extLst>
   </p:cSld>
   <p:clrMapOvr>
     <a:masterClrMapping/>
@@ -1507,13 +1298,7 @@
       </p:grpSpPr>
       <p:sp>
         <p:nvSpPr>
-          <p:cNvPr id="2" name="标题 1">
-            <a:extLst>
-              <a:ext uri="{FF2B5EF4-FFF2-40B4-BE49-F238E27FC236}">
-                <a16:creationId xmlns:a16="http://schemas.microsoft.com/office/drawing/2014/main" id="{A2C01182-F60A-3863-E1C9-F1BA8EDDF2F0}"/>
-              </a:ext>
-            </a:extLst>
-          </p:cNvPr>
+          <p:cNvPr id="2" name="标题 1"/>
           <p:cNvSpPr>
             <a:spLocks noGrp="1"/>
           </p:cNvSpPr>
@@ -1541,13 +1326,7 @@
       </p:sp>
       <p:sp>
         <p:nvSpPr>
-          <p:cNvPr id="3" name="文本占位符 2">
-            <a:extLst>
-              <a:ext uri="{FF2B5EF4-FFF2-40B4-BE49-F238E27FC236}">
-                <a16:creationId xmlns:a16="http://schemas.microsoft.com/office/drawing/2014/main" id="{971FB0C2-A251-28B3-EAA1-2E3E285413BA}"/>
-              </a:ext>
-            </a:extLst>
-          </p:cNvPr>
+          <p:cNvPr id="3" name="文本占位符 2"/>
           <p:cNvSpPr>
             <a:spLocks noGrp="1"/>
           </p:cNvSpPr>
@@ -1607,18 +1386,13 @@
               <a:rPr lang="zh-CN" altLang="en-US"/>
               <a:t>单击此处编辑母版文本样式</a:t>
             </a:r>
-          </a:p>
-        </p:txBody>
-      </p:sp>
-      <p:sp>
-        <p:nvSpPr>
-          <p:cNvPr id="4" name="内容占位符 3">
-            <a:extLst>
-              <a:ext uri="{FF2B5EF4-FFF2-40B4-BE49-F238E27FC236}">
-                <a16:creationId xmlns:a16="http://schemas.microsoft.com/office/drawing/2014/main" id="{203D475D-2F45-0CE2-DC0D-2274CC5E2337}"/>
-              </a:ext>
-            </a:extLst>
-          </p:cNvPr>
+            <a:endParaRPr lang="zh-CN" altLang="en-US"/>
+          </a:p>
+        </p:txBody>
+      </p:sp>
+      <p:sp>
+        <p:nvSpPr>
+          <p:cNvPr id="4" name="内容占位符 3"/>
           <p:cNvSpPr>
             <a:spLocks noGrp="1"/>
           </p:cNvSpPr>
@@ -1641,6 +1415,7 @@
               <a:rPr lang="zh-CN" altLang="en-US"/>
               <a:t>单击此处编辑母版文本样式</a:t>
             </a:r>
+            <a:endParaRPr lang="zh-CN" altLang="en-US"/>
           </a:p>
           <a:p>
             <a:pPr lvl="1"/>
@@ -1648,6 +1423,7 @@
               <a:rPr lang="zh-CN" altLang="en-US"/>
               <a:t>二级</a:t>
             </a:r>
+            <a:endParaRPr lang="zh-CN" altLang="en-US"/>
           </a:p>
           <a:p>
             <a:pPr lvl="2"/>
@@ -1655,6 +1431,7 @@
               <a:rPr lang="zh-CN" altLang="en-US"/>
               <a:t>三级</a:t>
             </a:r>
+            <a:endParaRPr lang="zh-CN" altLang="en-US"/>
           </a:p>
           <a:p>
             <a:pPr lvl="3"/>
@@ -1662,6 +1439,7 @@
               <a:rPr lang="zh-CN" altLang="en-US"/>
               <a:t>四级</a:t>
             </a:r>
+            <a:endParaRPr lang="zh-CN" altLang="en-US"/>
           </a:p>
           <a:p>
             <a:pPr lvl="4"/>
@@ -1675,13 +1453,7 @@
       </p:sp>
       <p:sp>
         <p:nvSpPr>
-          <p:cNvPr id="5" name="文本占位符 4">
-            <a:extLst>
-              <a:ext uri="{FF2B5EF4-FFF2-40B4-BE49-F238E27FC236}">
-                <a16:creationId xmlns:a16="http://schemas.microsoft.com/office/drawing/2014/main" id="{FFEFCB46-0DEF-357F-DDC7-6B600B458DEC}"/>
-              </a:ext>
-            </a:extLst>
-          </p:cNvPr>
+          <p:cNvPr id="5" name="文本占位符 4"/>
           <p:cNvSpPr>
             <a:spLocks noGrp="1"/>
           </p:cNvSpPr>
@@ -1741,18 +1513,13 @@
               <a:rPr lang="zh-CN" altLang="en-US"/>
               <a:t>单击此处编辑母版文本样式</a:t>
             </a:r>
-          </a:p>
-        </p:txBody>
-      </p:sp>
-      <p:sp>
-        <p:nvSpPr>
-          <p:cNvPr id="6" name="内容占位符 5">
-            <a:extLst>
-              <a:ext uri="{FF2B5EF4-FFF2-40B4-BE49-F238E27FC236}">
-                <a16:creationId xmlns:a16="http://schemas.microsoft.com/office/drawing/2014/main" id="{CAE51CFD-E329-47FD-CC6F-05F1E0E1B500}"/>
-              </a:ext>
-            </a:extLst>
-          </p:cNvPr>
+            <a:endParaRPr lang="zh-CN" altLang="en-US"/>
+          </a:p>
+        </p:txBody>
+      </p:sp>
+      <p:sp>
+        <p:nvSpPr>
+          <p:cNvPr id="6" name="内容占位符 5"/>
           <p:cNvSpPr>
             <a:spLocks noGrp="1"/>
           </p:cNvSpPr>
@@ -1775,6 +1542,7 @@
               <a:rPr lang="zh-CN" altLang="en-US"/>
               <a:t>单击此处编辑母版文本样式</a:t>
             </a:r>
+            <a:endParaRPr lang="zh-CN" altLang="en-US"/>
           </a:p>
           <a:p>
             <a:pPr lvl="1"/>
@@ -1782,6 +1550,7 @@
               <a:rPr lang="zh-CN" altLang="en-US"/>
               <a:t>二级</a:t>
             </a:r>
+            <a:endParaRPr lang="zh-CN" altLang="en-US"/>
           </a:p>
           <a:p>
             <a:pPr lvl="2"/>
@@ -1789,6 +1558,7 @@
               <a:rPr lang="zh-CN" altLang="en-US"/>
               <a:t>三级</a:t>
             </a:r>
+            <a:endParaRPr lang="zh-CN" altLang="en-US"/>
           </a:p>
           <a:p>
             <a:pPr lvl="3"/>
@@ -1796,6 +1566,7 @@
               <a:rPr lang="zh-CN" altLang="en-US"/>
               <a:t>四级</a:t>
             </a:r>
+            <a:endParaRPr lang="zh-CN" altLang="en-US"/>
           </a:p>
           <a:p>
             <a:pPr lvl="4"/>
@@ -1809,13 +1580,7 @@
       </p:sp>
       <p:sp>
         <p:nvSpPr>
-          <p:cNvPr id="7" name="日期占位符 6">
-            <a:extLst>
-              <a:ext uri="{FF2B5EF4-FFF2-40B4-BE49-F238E27FC236}">
-                <a16:creationId xmlns:a16="http://schemas.microsoft.com/office/drawing/2014/main" id="{2B123B2E-2E64-E0A0-8780-EF667A5C3E8D}"/>
-              </a:ext>
-            </a:extLst>
-          </p:cNvPr>
+          <p:cNvPr id="7" name="日期占位符 6"/>
           <p:cNvSpPr>
             <a:spLocks noGrp="1"/>
           </p:cNvSpPr>
@@ -1830,7 +1595,6 @@
           <a:p>
             <a:fld id="{A74E8ACB-D1D1-49A0-9559-C9C4DDCF93D6}" type="datetimeFigureOut">
               <a:rPr lang="en-US" smtClean="0"/>
-              <a:t>9/28/2022</a:t>
             </a:fld>
             <a:endParaRPr lang="en-US"/>
           </a:p>
@@ -1838,13 +1602,7 @@
       </p:sp>
       <p:sp>
         <p:nvSpPr>
-          <p:cNvPr id="8" name="页脚占位符 7">
-            <a:extLst>
-              <a:ext uri="{FF2B5EF4-FFF2-40B4-BE49-F238E27FC236}">
-                <a16:creationId xmlns:a16="http://schemas.microsoft.com/office/drawing/2014/main" id="{B1DC150D-A103-C0ED-3686-AB2DB3AAD463}"/>
-              </a:ext>
-            </a:extLst>
-          </p:cNvPr>
+          <p:cNvPr id="8" name="页脚占位符 7"/>
           <p:cNvSpPr>
             <a:spLocks noGrp="1"/>
           </p:cNvSpPr>
@@ -1863,13 +1621,7 @@
       </p:sp>
       <p:sp>
         <p:nvSpPr>
-          <p:cNvPr id="9" name="灯片编号占位符 8">
-            <a:extLst>
-              <a:ext uri="{FF2B5EF4-FFF2-40B4-BE49-F238E27FC236}">
-                <a16:creationId xmlns:a16="http://schemas.microsoft.com/office/drawing/2014/main" id="{EFF5E96B-33EE-6DFA-2765-520E823F861F}"/>
-              </a:ext>
-            </a:extLst>
-          </p:cNvPr>
+          <p:cNvPr id="9" name="灯片编号占位符 8"/>
           <p:cNvSpPr>
             <a:spLocks noGrp="1"/>
           </p:cNvSpPr>
@@ -1884,18 +1636,12 @@
           <a:p>
             <a:fld id="{E3517A02-5F04-449E-9916-438BFF0576DD}" type="slidenum">
               <a:rPr lang="en-US" smtClean="0"/>
-              <a:t>‹#›</a:t>
             </a:fld>
             <a:endParaRPr lang="en-US"/>
           </a:p>
         </p:txBody>
       </p:sp>
     </p:spTree>
-    <p:extLst>
-      <p:ext uri="{BB962C8B-B14F-4D97-AF65-F5344CB8AC3E}">
-        <p14:creationId xmlns:p14="http://schemas.microsoft.com/office/powerpoint/2010/main" val="2051291087"/>
-      </p:ext>
-    </p:extLst>
   </p:cSld>
   <p:clrMapOvr>
     <a:masterClrMapping/>
@@ -1922,13 +1668,7 @@
       </p:grpSpPr>
       <p:sp>
         <p:nvSpPr>
-          <p:cNvPr id="2" name="标题 1">
-            <a:extLst>
-              <a:ext uri="{FF2B5EF4-FFF2-40B4-BE49-F238E27FC236}">
-                <a16:creationId xmlns:a16="http://schemas.microsoft.com/office/drawing/2014/main" id="{46E6B4EA-1E30-B649-3E79-70F01CC27CF2}"/>
-              </a:ext>
-            </a:extLst>
-          </p:cNvPr>
+          <p:cNvPr id="2" name="标题 1"/>
           <p:cNvSpPr>
             <a:spLocks noGrp="1"/>
           </p:cNvSpPr>
@@ -1951,13 +1691,7 @@
       </p:sp>
       <p:sp>
         <p:nvSpPr>
-          <p:cNvPr id="3" name="日期占位符 2">
-            <a:extLst>
-              <a:ext uri="{FF2B5EF4-FFF2-40B4-BE49-F238E27FC236}">
-                <a16:creationId xmlns:a16="http://schemas.microsoft.com/office/drawing/2014/main" id="{45B8855A-1360-52C0-BCEC-39B9A524B14E}"/>
-              </a:ext>
-            </a:extLst>
-          </p:cNvPr>
+          <p:cNvPr id="3" name="日期占位符 2"/>
           <p:cNvSpPr>
             <a:spLocks noGrp="1"/>
           </p:cNvSpPr>
@@ -1972,7 +1706,6 @@
           <a:p>
             <a:fld id="{A74E8ACB-D1D1-49A0-9559-C9C4DDCF93D6}" type="datetimeFigureOut">
               <a:rPr lang="en-US" smtClean="0"/>
-              <a:t>9/28/2022</a:t>
             </a:fld>
             <a:endParaRPr lang="en-US"/>
           </a:p>
@@ -1980,13 +1713,7 @@
       </p:sp>
       <p:sp>
         <p:nvSpPr>
-          <p:cNvPr id="4" name="页脚占位符 3">
-            <a:extLst>
-              <a:ext uri="{FF2B5EF4-FFF2-40B4-BE49-F238E27FC236}">
-                <a16:creationId xmlns:a16="http://schemas.microsoft.com/office/drawing/2014/main" id="{B33C5FE9-5C06-4EB1-B71B-F7C323F9DCD3}"/>
-              </a:ext>
-            </a:extLst>
-          </p:cNvPr>
+          <p:cNvPr id="4" name="页脚占位符 3"/>
           <p:cNvSpPr>
             <a:spLocks noGrp="1"/>
           </p:cNvSpPr>
@@ -2005,13 +1732,7 @@
       </p:sp>
       <p:sp>
         <p:nvSpPr>
-          <p:cNvPr id="5" name="灯片编号占位符 4">
-            <a:extLst>
-              <a:ext uri="{FF2B5EF4-FFF2-40B4-BE49-F238E27FC236}">
-                <a16:creationId xmlns:a16="http://schemas.microsoft.com/office/drawing/2014/main" id="{15F0F13C-9BCF-3B93-A281-9C2C58A07F27}"/>
-              </a:ext>
-            </a:extLst>
-          </p:cNvPr>
+          <p:cNvPr id="5" name="灯片编号占位符 4"/>
           <p:cNvSpPr>
             <a:spLocks noGrp="1"/>
           </p:cNvSpPr>
@@ -2026,18 +1747,12 @@
           <a:p>
             <a:fld id="{E3517A02-5F04-449E-9916-438BFF0576DD}" type="slidenum">
               <a:rPr lang="en-US" smtClean="0"/>
-              <a:t>‹#›</a:t>
             </a:fld>
             <a:endParaRPr lang="en-US"/>
           </a:p>
         </p:txBody>
       </p:sp>
     </p:spTree>
-    <p:extLst>
-      <p:ext uri="{BB962C8B-B14F-4D97-AF65-F5344CB8AC3E}">
-        <p14:creationId xmlns:p14="http://schemas.microsoft.com/office/powerpoint/2010/main" val="1718060567"/>
-      </p:ext>
-    </p:extLst>
   </p:cSld>
   <p:clrMapOvr>
     <a:masterClrMapping/>
@@ -2064,13 +1779,7 @@
       </p:grpSpPr>
       <p:sp>
         <p:nvSpPr>
-          <p:cNvPr id="2" name="日期占位符 1">
-            <a:extLst>
-              <a:ext uri="{FF2B5EF4-FFF2-40B4-BE49-F238E27FC236}">
-                <a16:creationId xmlns:a16="http://schemas.microsoft.com/office/drawing/2014/main" id="{581594BA-C144-B0B4-5DDE-C656A7EF252D}"/>
-              </a:ext>
-            </a:extLst>
-          </p:cNvPr>
+          <p:cNvPr id="2" name="日期占位符 1"/>
           <p:cNvSpPr>
             <a:spLocks noGrp="1"/>
           </p:cNvSpPr>
@@ -2085,7 +1794,6 @@
           <a:p>
             <a:fld id="{A74E8ACB-D1D1-49A0-9559-C9C4DDCF93D6}" type="datetimeFigureOut">
               <a:rPr lang="en-US" smtClean="0"/>
-              <a:t>9/28/2022</a:t>
             </a:fld>
             <a:endParaRPr lang="en-US"/>
           </a:p>
@@ -2093,13 +1801,7 @@
       </p:sp>
       <p:sp>
         <p:nvSpPr>
-          <p:cNvPr id="3" name="页脚占位符 2">
-            <a:extLst>
-              <a:ext uri="{FF2B5EF4-FFF2-40B4-BE49-F238E27FC236}">
-                <a16:creationId xmlns:a16="http://schemas.microsoft.com/office/drawing/2014/main" id="{DE6E48AE-96DD-278C-006B-1368990AD1BC}"/>
-              </a:ext>
-            </a:extLst>
-          </p:cNvPr>
+          <p:cNvPr id="3" name="页脚占位符 2"/>
           <p:cNvSpPr>
             <a:spLocks noGrp="1"/>
           </p:cNvSpPr>
@@ -2118,13 +1820,7 @@
       </p:sp>
       <p:sp>
         <p:nvSpPr>
-          <p:cNvPr id="4" name="灯片编号占位符 3">
-            <a:extLst>
-              <a:ext uri="{FF2B5EF4-FFF2-40B4-BE49-F238E27FC236}">
-                <a16:creationId xmlns:a16="http://schemas.microsoft.com/office/drawing/2014/main" id="{55E5B4FA-C6AC-2998-19AE-AD1C7539229F}"/>
-              </a:ext>
-            </a:extLst>
-          </p:cNvPr>
+          <p:cNvPr id="4" name="灯片编号占位符 3"/>
           <p:cNvSpPr>
             <a:spLocks noGrp="1"/>
           </p:cNvSpPr>
@@ -2139,18 +1835,12 @@
           <a:p>
             <a:fld id="{E3517A02-5F04-449E-9916-438BFF0576DD}" type="slidenum">
               <a:rPr lang="en-US" smtClean="0"/>
-              <a:t>‹#›</a:t>
             </a:fld>
             <a:endParaRPr lang="en-US"/>
           </a:p>
         </p:txBody>
       </p:sp>
     </p:spTree>
-    <p:extLst>
-      <p:ext uri="{BB962C8B-B14F-4D97-AF65-F5344CB8AC3E}">
-        <p14:creationId xmlns:p14="http://schemas.microsoft.com/office/powerpoint/2010/main" val="2957677241"/>
-      </p:ext>
-    </p:extLst>
   </p:cSld>
   <p:clrMapOvr>
     <a:masterClrMapping/>
@@ -2177,13 +1867,7 @@
       </p:grpSpPr>
       <p:sp>
         <p:nvSpPr>
-          <p:cNvPr id="2" name="标题 1">
-            <a:extLst>
-              <a:ext uri="{FF2B5EF4-FFF2-40B4-BE49-F238E27FC236}">
-                <a16:creationId xmlns:a16="http://schemas.microsoft.com/office/drawing/2014/main" id="{6AF79D1A-5F61-BD3B-F8F7-B6185F447FBF}"/>
-              </a:ext>
-            </a:extLst>
-          </p:cNvPr>
+          <p:cNvPr id="2" name="标题 1"/>
           <p:cNvSpPr>
             <a:spLocks noGrp="1"/>
           </p:cNvSpPr>
@@ -2215,13 +1899,7 @@
       </p:sp>
       <p:sp>
         <p:nvSpPr>
-          <p:cNvPr id="3" name="内容占位符 2">
-            <a:extLst>
-              <a:ext uri="{FF2B5EF4-FFF2-40B4-BE49-F238E27FC236}">
-                <a16:creationId xmlns:a16="http://schemas.microsoft.com/office/drawing/2014/main" id="{46DE08B5-9668-0282-ECF3-9E8802ABFA21}"/>
-              </a:ext>
-            </a:extLst>
-          </p:cNvPr>
+          <p:cNvPr id="3" name="内容占位符 2"/>
           <p:cNvSpPr>
             <a:spLocks noGrp="1"/>
           </p:cNvSpPr>
@@ -2272,6 +1950,7 @@
               <a:rPr lang="zh-CN" altLang="en-US"/>
               <a:t>单击此处编辑母版文本样式</a:t>
             </a:r>
+            <a:endParaRPr lang="zh-CN" altLang="en-US"/>
           </a:p>
           <a:p>
             <a:pPr lvl="1"/>
@@ -2279,6 +1958,7 @@
               <a:rPr lang="zh-CN" altLang="en-US"/>
               <a:t>二级</a:t>
             </a:r>
+            <a:endParaRPr lang="zh-CN" altLang="en-US"/>
           </a:p>
           <a:p>
             <a:pPr lvl="2"/>
@@ -2286,6 +1966,7 @@
               <a:rPr lang="zh-CN" altLang="en-US"/>
               <a:t>三级</a:t>
             </a:r>
+            <a:endParaRPr lang="zh-CN" altLang="en-US"/>
           </a:p>
           <a:p>
             <a:pPr lvl="3"/>
@@ -2293,6 +1974,7 @@
               <a:rPr lang="zh-CN" altLang="en-US"/>
               <a:t>四级</a:t>
             </a:r>
+            <a:endParaRPr lang="zh-CN" altLang="en-US"/>
           </a:p>
           <a:p>
             <a:pPr lvl="4"/>
@@ -2306,13 +1988,7 @@
       </p:sp>
       <p:sp>
         <p:nvSpPr>
-          <p:cNvPr id="4" name="文本占位符 3">
-            <a:extLst>
-              <a:ext uri="{FF2B5EF4-FFF2-40B4-BE49-F238E27FC236}">
-                <a16:creationId xmlns:a16="http://schemas.microsoft.com/office/drawing/2014/main" id="{4E3E988B-649D-E13F-CDEF-8266EE5B8161}"/>
-              </a:ext>
-            </a:extLst>
-          </p:cNvPr>
+          <p:cNvPr id="4" name="文本占位符 3"/>
           <p:cNvSpPr>
             <a:spLocks noGrp="1"/>
           </p:cNvSpPr>
@@ -2372,18 +2048,13 @@
               <a:rPr lang="zh-CN" altLang="en-US"/>
               <a:t>单击此处编辑母版文本样式</a:t>
             </a:r>
-          </a:p>
-        </p:txBody>
-      </p:sp>
-      <p:sp>
-        <p:nvSpPr>
-          <p:cNvPr id="5" name="日期占位符 4">
-            <a:extLst>
-              <a:ext uri="{FF2B5EF4-FFF2-40B4-BE49-F238E27FC236}">
-                <a16:creationId xmlns:a16="http://schemas.microsoft.com/office/drawing/2014/main" id="{4CAE4648-E9A4-56E1-84E4-5DA43C8E545A}"/>
-              </a:ext>
-            </a:extLst>
-          </p:cNvPr>
+            <a:endParaRPr lang="zh-CN" altLang="en-US"/>
+          </a:p>
+        </p:txBody>
+      </p:sp>
+      <p:sp>
+        <p:nvSpPr>
+          <p:cNvPr id="5" name="日期占位符 4"/>
           <p:cNvSpPr>
             <a:spLocks noGrp="1"/>
           </p:cNvSpPr>
@@ -2398,7 +2069,6 @@
           <a:p>
             <a:fld id="{A74E8ACB-D1D1-49A0-9559-C9C4DDCF93D6}" type="datetimeFigureOut">
               <a:rPr lang="en-US" smtClean="0"/>
-              <a:t>9/28/2022</a:t>
             </a:fld>
             <a:endParaRPr lang="en-US"/>
           </a:p>
@@ -2406,13 +2076,7 @@
       </p:sp>
       <p:sp>
         <p:nvSpPr>
-          <p:cNvPr id="6" name="页脚占位符 5">
-            <a:extLst>
-              <a:ext uri="{FF2B5EF4-FFF2-40B4-BE49-F238E27FC236}">
-                <a16:creationId xmlns:a16="http://schemas.microsoft.com/office/drawing/2014/main" id="{9F05FB5E-1579-434D-D84E-DE19E3378301}"/>
-              </a:ext>
-            </a:extLst>
-          </p:cNvPr>
+          <p:cNvPr id="6" name="页脚占位符 5"/>
           <p:cNvSpPr>
             <a:spLocks noGrp="1"/>
           </p:cNvSpPr>
@@ -2431,13 +2095,7 @@
       </p:sp>
       <p:sp>
         <p:nvSpPr>
-          <p:cNvPr id="7" name="灯片编号占位符 6">
-            <a:extLst>
-              <a:ext uri="{FF2B5EF4-FFF2-40B4-BE49-F238E27FC236}">
-                <a16:creationId xmlns:a16="http://schemas.microsoft.com/office/drawing/2014/main" id="{9683A390-D26B-FB23-1D67-4310BA94A841}"/>
-              </a:ext>
-            </a:extLst>
-          </p:cNvPr>
+          <p:cNvPr id="7" name="灯片编号占位符 6"/>
           <p:cNvSpPr>
             <a:spLocks noGrp="1"/>
           </p:cNvSpPr>
@@ -2452,18 +2110,12 @@
           <a:p>
             <a:fld id="{E3517A02-5F04-449E-9916-438BFF0576DD}" type="slidenum">
               <a:rPr lang="en-US" smtClean="0"/>
-              <a:t>‹#›</a:t>
             </a:fld>
             <a:endParaRPr lang="en-US"/>
           </a:p>
         </p:txBody>
       </p:sp>
     </p:spTree>
-    <p:extLst>
-      <p:ext uri="{BB962C8B-B14F-4D97-AF65-F5344CB8AC3E}">
-        <p14:creationId xmlns:p14="http://schemas.microsoft.com/office/powerpoint/2010/main" val="1486651786"/>
-      </p:ext>
-    </p:extLst>
   </p:cSld>
   <p:clrMapOvr>
     <a:masterClrMapping/>
@@ -2490,13 +2142,7 @@
       </p:grpSpPr>
       <p:sp>
         <p:nvSpPr>
-          <p:cNvPr id="2" name="标题 1">
-            <a:extLst>
-              <a:ext uri="{FF2B5EF4-FFF2-40B4-BE49-F238E27FC236}">
-                <a16:creationId xmlns:a16="http://schemas.microsoft.com/office/drawing/2014/main" id="{F215D45A-7B63-7AE5-25B8-CBCFCEEA9909}"/>
-              </a:ext>
-            </a:extLst>
-          </p:cNvPr>
+          <p:cNvPr id="2" name="标题 1"/>
           <p:cNvSpPr>
             <a:spLocks noGrp="1"/>
           </p:cNvSpPr>
@@ -2528,13 +2174,7 @@
       </p:sp>
       <p:sp>
         <p:nvSpPr>
-          <p:cNvPr id="3" name="图片占位符 2">
-            <a:extLst>
-              <a:ext uri="{FF2B5EF4-FFF2-40B4-BE49-F238E27FC236}">
-                <a16:creationId xmlns:a16="http://schemas.microsoft.com/office/drawing/2014/main" id="{55BD8071-2919-7472-B6FA-326C6CD28492}"/>
-              </a:ext>
-            </a:extLst>
-          </p:cNvPr>
+          <p:cNvPr id="3" name="图片占位符 2"/>
           <p:cNvSpPr>
             <a:spLocks noGrp="1"/>
           </p:cNvSpPr>
@@ -2595,13 +2235,7 @@
       </p:sp>
       <p:sp>
         <p:nvSpPr>
-          <p:cNvPr id="4" name="文本占位符 3">
-            <a:extLst>
-              <a:ext uri="{FF2B5EF4-FFF2-40B4-BE49-F238E27FC236}">
-                <a16:creationId xmlns:a16="http://schemas.microsoft.com/office/drawing/2014/main" id="{C54CC6F5-9149-3DBD-66F7-876033F2397B}"/>
-              </a:ext>
-            </a:extLst>
-          </p:cNvPr>
+          <p:cNvPr id="4" name="文本占位符 3"/>
           <p:cNvSpPr>
             <a:spLocks noGrp="1"/>
           </p:cNvSpPr>
@@ -2661,18 +2295,13 @@
               <a:rPr lang="zh-CN" altLang="en-US"/>
               <a:t>单击此处编辑母版文本样式</a:t>
             </a:r>
-          </a:p>
-        </p:txBody>
-      </p:sp>
-      <p:sp>
-        <p:nvSpPr>
-          <p:cNvPr id="5" name="日期占位符 4">
-            <a:extLst>
-              <a:ext uri="{FF2B5EF4-FFF2-40B4-BE49-F238E27FC236}">
-                <a16:creationId xmlns:a16="http://schemas.microsoft.com/office/drawing/2014/main" id="{A102DE81-D6D1-F6B7-2D4C-BEB775340010}"/>
-              </a:ext>
-            </a:extLst>
-          </p:cNvPr>
+            <a:endParaRPr lang="zh-CN" altLang="en-US"/>
+          </a:p>
+        </p:txBody>
+      </p:sp>
+      <p:sp>
+        <p:nvSpPr>
+          <p:cNvPr id="5" name="日期占位符 4"/>
           <p:cNvSpPr>
             <a:spLocks noGrp="1"/>
           </p:cNvSpPr>
@@ -2687,7 +2316,6 @@
           <a:p>
             <a:fld id="{A74E8ACB-D1D1-49A0-9559-C9C4DDCF93D6}" type="datetimeFigureOut">
               <a:rPr lang="en-US" smtClean="0"/>
-              <a:t>9/28/2022</a:t>
             </a:fld>
             <a:endParaRPr lang="en-US"/>
           </a:p>
@@ -2695,13 +2323,7 @@
       </p:sp>
       <p:sp>
         <p:nvSpPr>
-          <p:cNvPr id="6" name="页脚占位符 5">
-            <a:extLst>
-              <a:ext uri="{FF2B5EF4-FFF2-40B4-BE49-F238E27FC236}">
-                <a16:creationId xmlns:a16="http://schemas.microsoft.com/office/drawing/2014/main" id="{541EE0BA-4B4E-7398-8378-4D9C486963BA}"/>
-              </a:ext>
-            </a:extLst>
-          </p:cNvPr>
+          <p:cNvPr id="6" name="页脚占位符 5"/>
           <p:cNvSpPr>
             <a:spLocks noGrp="1"/>
           </p:cNvSpPr>
@@ -2720,13 +2342,7 @@
       </p:sp>
       <p:sp>
         <p:nvSpPr>
-          <p:cNvPr id="7" name="灯片编号占位符 6">
-            <a:extLst>
-              <a:ext uri="{FF2B5EF4-FFF2-40B4-BE49-F238E27FC236}">
-                <a16:creationId xmlns:a16="http://schemas.microsoft.com/office/drawing/2014/main" id="{1E9CDFDB-F730-5679-2AFD-30EF5864692B}"/>
-              </a:ext>
-            </a:extLst>
-          </p:cNvPr>
+          <p:cNvPr id="7" name="灯片编号占位符 6"/>
           <p:cNvSpPr>
             <a:spLocks noGrp="1"/>
           </p:cNvSpPr>
@@ -2741,18 +2357,12 @@
           <a:p>
             <a:fld id="{E3517A02-5F04-449E-9916-438BFF0576DD}" type="slidenum">
               <a:rPr lang="en-US" smtClean="0"/>
-              <a:t>‹#›</a:t>
             </a:fld>
             <a:endParaRPr lang="en-US"/>
           </a:p>
         </p:txBody>
       </p:sp>
     </p:spTree>
-    <p:extLst>
-      <p:ext uri="{BB962C8B-B14F-4D97-AF65-F5344CB8AC3E}">
-        <p14:creationId xmlns:p14="http://schemas.microsoft.com/office/powerpoint/2010/main" val="671552132"/>
-      </p:ext>
-    </p:extLst>
   </p:cSld>
   <p:clrMapOvr>
     <a:masterClrMapping/>
@@ -2784,13 +2394,7 @@
       </p:grpSpPr>
       <p:sp>
         <p:nvSpPr>
-          <p:cNvPr id="2" name="标题占位符 1">
-            <a:extLst>
-              <a:ext uri="{FF2B5EF4-FFF2-40B4-BE49-F238E27FC236}">
-                <a16:creationId xmlns:a16="http://schemas.microsoft.com/office/drawing/2014/main" id="{3150F89D-6EA0-F6AD-CBAC-8B8FBE8DF2B0}"/>
-              </a:ext>
-            </a:extLst>
-          </p:cNvPr>
+          <p:cNvPr id="2" name="标题占位符 1"/>
           <p:cNvSpPr>
             <a:spLocks noGrp="1"/>
           </p:cNvSpPr>
@@ -2823,13 +2427,7 @@
       </p:sp>
       <p:sp>
         <p:nvSpPr>
-          <p:cNvPr id="3" name="文本占位符 2">
-            <a:extLst>
-              <a:ext uri="{FF2B5EF4-FFF2-40B4-BE49-F238E27FC236}">
-                <a16:creationId xmlns:a16="http://schemas.microsoft.com/office/drawing/2014/main" id="{7EAA8D97-B166-C3A6-49F3-ECEC15B7A6A9}"/>
-              </a:ext>
-            </a:extLst>
-          </p:cNvPr>
+          <p:cNvPr id="3" name="文本占位符 2"/>
           <p:cNvSpPr>
             <a:spLocks noGrp="1"/>
           </p:cNvSpPr>
@@ -2857,6 +2455,7 @@
               <a:rPr lang="zh-CN" altLang="en-US"/>
               <a:t>单击此处编辑母版文本样式</a:t>
             </a:r>
+            <a:endParaRPr lang="zh-CN" altLang="en-US"/>
           </a:p>
           <a:p>
             <a:pPr lvl="1"/>
@@ -2864,6 +2463,7 @@
               <a:rPr lang="zh-CN" altLang="en-US"/>
               <a:t>二级</a:t>
             </a:r>
+            <a:endParaRPr lang="zh-CN" altLang="en-US"/>
           </a:p>
           <a:p>
             <a:pPr lvl="2"/>
@@ -2871,6 +2471,7 @@
               <a:rPr lang="zh-CN" altLang="en-US"/>
               <a:t>三级</a:t>
             </a:r>
+            <a:endParaRPr lang="zh-CN" altLang="en-US"/>
           </a:p>
           <a:p>
             <a:pPr lvl="3"/>
@@ -2878,6 +2479,7 @@
               <a:rPr lang="zh-CN" altLang="en-US"/>
               <a:t>四级</a:t>
             </a:r>
+            <a:endParaRPr lang="zh-CN" altLang="en-US"/>
           </a:p>
           <a:p>
             <a:pPr lvl="4"/>
@@ -2891,13 +2493,7 @@
       </p:sp>
       <p:sp>
         <p:nvSpPr>
-          <p:cNvPr id="4" name="日期占位符 3">
-            <a:extLst>
-              <a:ext uri="{FF2B5EF4-FFF2-40B4-BE49-F238E27FC236}">
-                <a16:creationId xmlns:a16="http://schemas.microsoft.com/office/drawing/2014/main" id="{65103395-A1CC-3FA2-19DE-720662ED844E}"/>
-              </a:ext>
-            </a:extLst>
-          </p:cNvPr>
+          <p:cNvPr id="4" name="日期占位符 3"/>
           <p:cNvSpPr>
             <a:spLocks noGrp="1"/>
           </p:cNvSpPr>
@@ -2930,7 +2526,6 @@
           <a:p>
             <a:fld id="{A74E8ACB-D1D1-49A0-9559-C9C4DDCF93D6}" type="datetimeFigureOut">
               <a:rPr lang="en-US" smtClean="0"/>
-              <a:t>9/28/2022</a:t>
             </a:fld>
             <a:endParaRPr lang="en-US"/>
           </a:p>
@@ -2938,13 +2533,7 @@
       </p:sp>
       <p:sp>
         <p:nvSpPr>
-          <p:cNvPr id="5" name="页脚占位符 4">
-            <a:extLst>
-              <a:ext uri="{FF2B5EF4-FFF2-40B4-BE49-F238E27FC236}">
-                <a16:creationId xmlns:a16="http://schemas.microsoft.com/office/drawing/2014/main" id="{A59F813F-D188-6109-6100-5D0B67D6C9BB}"/>
-              </a:ext>
-            </a:extLst>
-          </p:cNvPr>
+          <p:cNvPr id="5" name="页脚占位符 4"/>
           <p:cNvSpPr>
             <a:spLocks noGrp="1"/>
           </p:cNvSpPr>
@@ -2981,13 +2570,7 @@
       </p:sp>
       <p:sp>
         <p:nvSpPr>
-          <p:cNvPr id="6" name="灯片编号占位符 5">
-            <a:extLst>
-              <a:ext uri="{FF2B5EF4-FFF2-40B4-BE49-F238E27FC236}">
-                <a16:creationId xmlns:a16="http://schemas.microsoft.com/office/drawing/2014/main" id="{21D69608-9B59-4B11-1EDD-18E882FC1550}"/>
-              </a:ext>
-            </a:extLst>
-          </p:cNvPr>
+          <p:cNvPr id="6" name="灯片编号占位符 5"/>
           <p:cNvSpPr>
             <a:spLocks noGrp="1"/>
           </p:cNvSpPr>
@@ -3020,18 +2603,12 @@
           <a:p>
             <a:fld id="{E3517A02-5F04-449E-9916-438BFF0576DD}" type="slidenum">
               <a:rPr lang="en-US" smtClean="0"/>
-              <a:t>‹#›</a:t>
             </a:fld>
             <a:endParaRPr lang="en-US"/>
           </a:p>
         </p:txBody>
       </p:sp>
     </p:spTree>
-    <p:extLst>
-      <p:ext uri="{BB962C8B-B14F-4D97-AF65-F5344CB8AC3E}">
-        <p14:creationId xmlns:p14="http://schemas.microsoft.com/office/powerpoint/2010/main" val="1234197845"/>
-      </p:ext>
-    </p:extLst>
   </p:cSld>
   <p:clrMap bg1="lt1" tx1="dk1" bg2="lt2" tx2="dk2" accent1="accent1" accent2="accent2" accent3="accent3" accent4="accent4" accent5="accent5" accent6="accent6" hlink="hlink" folHlink="folHlink"/>
   <p:sldLayoutIdLst>
@@ -3349,13 +2926,7 @@
       </p:grpSpPr>
       <p:sp>
         <p:nvSpPr>
-          <p:cNvPr id="5" name="矩形: 圆角 4">
-            <a:extLst>
-              <a:ext uri="{FF2B5EF4-FFF2-40B4-BE49-F238E27FC236}">
-                <a16:creationId xmlns:a16="http://schemas.microsoft.com/office/drawing/2014/main" id="{CDD1AC87-581A-C59B-B89D-D33709A889AE}"/>
-              </a:ext>
-            </a:extLst>
-          </p:cNvPr>
+          <p:cNvPr id="5" name="矩形: 圆角 4"/>
           <p:cNvSpPr/>
           <p:nvPr/>
         </p:nvSpPr>
@@ -3393,24 +2964,23 @@
             <a:pPr algn="ctr"/>
             <a:r>
               <a:rPr lang="en-US" dirty="0">
-                <a:latin typeface="阿里巴巴普惠体 B" panose="00020600040101010101" pitchFamily="18" charset="-122"/>
-                <a:ea typeface="阿里巴巴普惠体 B" panose="00020600040101010101" pitchFamily="18" charset="-122"/>
-                <a:cs typeface="阿里巴巴普惠体 B" panose="00020600040101010101" pitchFamily="18" charset="-122"/>
+                <a:latin typeface="Fira Code SemiBold" charset="0"/>
+                <a:ea typeface="黑体" panose="02010609060101010101" charset="-122"/>
+                <a:cs typeface="Fira Code SemiBold" charset="0"/>
               </a:rPr>
               <a:t>UI Thread</a:t>
             </a:r>
-          </a:p>
-        </p:txBody>
-      </p:sp>
-      <p:sp>
-        <p:nvSpPr>
-          <p:cNvPr id="6" name="矩形: 圆角 5">
-            <a:extLst>
-              <a:ext uri="{FF2B5EF4-FFF2-40B4-BE49-F238E27FC236}">
-                <a16:creationId xmlns:a16="http://schemas.microsoft.com/office/drawing/2014/main" id="{8D4657E8-A7F9-A592-F7BA-266FD4EC142A}"/>
-              </a:ext>
-            </a:extLst>
-          </p:cNvPr>
+            <a:endParaRPr lang="en-US" dirty="0">
+              <a:latin typeface="Fira Code SemiBold" charset="0"/>
+              <a:ea typeface="黑体" panose="02010609060101010101" charset="-122"/>
+              <a:cs typeface="Fira Code SemiBold" charset="0"/>
+            </a:endParaRPr>
+          </a:p>
+        </p:txBody>
+      </p:sp>
+      <p:sp>
+        <p:nvSpPr>
+          <p:cNvPr id="6" name="矩形: 圆角 5"/>
           <p:cNvSpPr/>
           <p:nvPr/>
         </p:nvSpPr>
@@ -3448,24 +3018,23 @@
             <a:pPr algn="ctr"/>
             <a:r>
               <a:rPr lang="en-US" dirty="0">
-                <a:latin typeface="阿里巴巴普惠体 B" panose="00020600040101010101" pitchFamily="18" charset="-122"/>
-                <a:ea typeface="阿里巴巴普惠体 B" panose="00020600040101010101" pitchFamily="18" charset="-122"/>
-                <a:cs typeface="阿里巴巴普惠体 B" panose="00020600040101010101" pitchFamily="18" charset="-122"/>
+                <a:latin typeface="Fira Code SemiBold" charset="0"/>
+                <a:ea typeface="黑体" panose="02010609060101010101" charset="-122"/>
+                <a:cs typeface="Fira Code SemiBold" charset="0"/>
               </a:rPr>
               <a:t>Chip OPS</a:t>
             </a:r>
-          </a:p>
-        </p:txBody>
-      </p:sp>
-      <p:sp>
-        <p:nvSpPr>
-          <p:cNvPr id="7" name="矩形: 圆角 6">
-            <a:extLst>
-              <a:ext uri="{FF2B5EF4-FFF2-40B4-BE49-F238E27FC236}">
-                <a16:creationId xmlns:a16="http://schemas.microsoft.com/office/drawing/2014/main" id="{0A2B2814-6178-49F4-B520-00E420FA2093}"/>
-              </a:ext>
-            </a:extLst>
-          </p:cNvPr>
+            <a:endParaRPr lang="en-US" dirty="0">
+              <a:latin typeface="Fira Code SemiBold" charset="0"/>
+              <a:ea typeface="黑体" panose="02010609060101010101" charset="-122"/>
+              <a:cs typeface="Fira Code SemiBold" charset="0"/>
+            </a:endParaRPr>
+          </a:p>
+        </p:txBody>
+      </p:sp>
+      <p:sp>
+        <p:nvSpPr>
+          <p:cNvPr id="7" name="矩形: 圆角 6"/>
           <p:cNvSpPr/>
           <p:nvPr/>
         </p:nvSpPr>
@@ -3503,37 +3072,31 @@
             <a:pPr algn="ctr"/>
             <a:r>
               <a:rPr lang="en-US" dirty="0">
-                <a:latin typeface="阿里巴巴普惠体 B" panose="00020600040101010101" pitchFamily="18" charset="-122"/>
-                <a:ea typeface="阿里巴巴普惠体 B" panose="00020600040101010101" pitchFamily="18" charset="-122"/>
-                <a:cs typeface="阿里巴巴普惠体 B" panose="00020600040101010101" pitchFamily="18" charset="-122"/>
+                <a:latin typeface="Fira Code SemiBold" charset="0"/>
+                <a:ea typeface="黑体" panose="02010609060101010101" charset="-122"/>
+                <a:cs typeface="Fira Code SemiBold" charset="0"/>
               </a:rPr>
               <a:t>Chip DB </a:t>
             </a:r>
             <a:r>
               <a:rPr lang="zh-CN" altLang="en-US" dirty="0">
-                <a:latin typeface="阿里巴巴普惠体 B" panose="00020600040101010101" pitchFamily="18" charset="-122"/>
-                <a:ea typeface="阿里巴巴普惠体 B" panose="00020600040101010101" pitchFamily="18" charset="-122"/>
-                <a:cs typeface="阿里巴巴普惠体 B" panose="00020600040101010101" pitchFamily="18" charset="-122"/>
+                <a:latin typeface="Fira Code SemiBold" charset="0"/>
+                <a:ea typeface="黑体" panose="02010609060101010101" charset="-122"/>
+                <a:cs typeface="Fira Code SemiBold" charset="0"/>
               </a:rPr>
               <a:t>工厂模式，芯片差异化实现</a:t>
             </a:r>
             <a:endParaRPr lang="en-US" dirty="0">
-              <a:latin typeface="阿里巴巴普惠体 B" panose="00020600040101010101" pitchFamily="18" charset="-122"/>
-              <a:ea typeface="阿里巴巴普惠体 B" panose="00020600040101010101" pitchFamily="18" charset="-122"/>
-              <a:cs typeface="阿里巴巴普惠体 B" panose="00020600040101010101" pitchFamily="18" charset="-122"/>
+              <a:latin typeface="Fira Code SemiBold" charset="0"/>
+              <a:ea typeface="黑体" panose="02010609060101010101" charset="-122"/>
+              <a:cs typeface="Fira Code SemiBold" charset="0"/>
             </a:endParaRPr>
           </a:p>
         </p:txBody>
       </p:sp>
       <p:sp>
         <p:nvSpPr>
-          <p:cNvPr id="8" name="矩形: 圆角 7">
-            <a:extLst>
-              <a:ext uri="{FF2B5EF4-FFF2-40B4-BE49-F238E27FC236}">
-                <a16:creationId xmlns:a16="http://schemas.microsoft.com/office/drawing/2014/main" id="{A34A8BB0-797E-9B60-A2DD-A837B5C091B1}"/>
-              </a:ext>
-            </a:extLst>
-          </p:cNvPr>
+          <p:cNvPr id="8" name="矩形: 圆角 7"/>
           <p:cNvSpPr/>
           <p:nvPr/>
         </p:nvSpPr>
@@ -3571,37 +3134,31 @@
             <a:pPr algn="ctr"/>
             <a:r>
               <a:rPr lang="en-US" dirty="0">
-                <a:latin typeface="阿里巴巴普惠体 B" panose="00020600040101010101" pitchFamily="18" charset="-122"/>
-                <a:ea typeface="阿里巴巴普惠体 B" panose="00020600040101010101" pitchFamily="18" charset="-122"/>
-                <a:cs typeface="阿里巴巴普惠体 B" panose="00020600040101010101" pitchFamily="18" charset="-122"/>
+                <a:latin typeface="Fira Code SemiBold" charset="0"/>
+                <a:ea typeface="黑体" panose="02010609060101010101" charset="-122"/>
+                <a:cs typeface="Fira Code SemiBold" charset="0"/>
               </a:rPr>
               <a:t>Chip op </a:t>
             </a:r>
             <a:r>
               <a:rPr lang="zh-CN" altLang="en-US" dirty="0">
-                <a:latin typeface="阿里巴巴普惠体 B" panose="00020600040101010101" pitchFamily="18" charset="-122"/>
-                <a:ea typeface="阿里巴巴普惠体 B" panose="00020600040101010101" pitchFamily="18" charset="-122"/>
-                <a:cs typeface="阿里巴巴普惠体 B" panose="00020600040101010101" pitchFamily="18" charset="-122"/>
+                <a:latin typeface="Fira Code SemiBold" charset="0"/>
+                <a:ea typeface="黑体" panose="02010609060101010101" charset="-122"/>
+                <a:cs typeface="Fira Code SemiBold" charset="0"/>
               </a:rPr>
               <a:t>操作</a:t>
             </a:r>
             <a:endParaRPr lang="en-US" dirty="0">
-              <a:latin typeface="阿里巴巴普惠体 B" panose="00020600040101010101" pitchFamily="18" charset="-122"/>
-              <a:ea typeface="阿里巴巴普惠体 B" panose="00020600040101010101" pitchFamily="18" charset="-122"/>
-              <a:cs typeface="阿里巴巴普惠体 B" panose="00020600040101010101" pitchFamily="18" charset="-122"/>
+              <a:latin typeface="Fira Code SemiBold" charset="0"/>
+              <a:ea typeface="黑体" panose="02010609060101010101" charset="-122"/>
+              <a:cs typeface="Fira Code SemiBold" charset="0"/>
             </a:endParaRPr>
           </a:p>
         </p:txBody>
       </p:sp>
       <p:sp>
         <p:nvSpPr>
-          <p:cNvPr id="9" name="矩形: 圆角 8">
-            <a:extLst>
-              <a:ext uri="{FF2B5EF4-FFF2-40B4-BE49-F238E27FC236}">
-                <a16:creationId xmlns:a16="http://schemas.microsoft.com/office/drawing/2014/main" id="{337BD1F5-A2E0-911A-40A2-F94A3191A182}"/>
-              </a:ext>
-            </a:extLst>
-          </p:cNvPr>
+          <p:cNvPr id="9" name="矩形: 圆角 8"/>
           <p:cNvSpPr/>
           <p:nvPr/>
         </p:nvSpPr>
@@ -3639,97 +3196,23 @@
             <a:pPr algn="ctr"/>
             <a:r>
               <a:rPr lang="en-US" altLang="zh-CN" dirty="0">
-                <a:latin typeface="阿里巴巴普惠体 B" panose="00020600040101010101" pitchFamily="18" charset="-122"/>
-                <a:ea typeface="阿里巴巴普惠体 B" panose="00020600040101010101" pitchFamily="18" charset="-122"/>
-                <a:cs typeface="阿里巴巴普惠体 B" panose="00020600040101010101" pitchFamily="18" charset="-122"/>
+                <a:latin typeface="Fira Code SemiBold" charset="0"/>
+                <a:ea typeface="黑体" panose="02010609060101010101" charset="-122"/>
+                <a:cs typeface="Fira Code SemiBold" charset="0"/>
               </a:rPr>
               <a:t>FEL</a:t>
             </a:r>
-            <a:endParaRPr lang="en-US" dirty="0">
-              <a:latin typeface="阿里巴巴普惠体 B" panose="00020600040101010101" pitchFamily="18" charset="-122"/>
-              <a:ea typeface="阿里巴巴普惠体 B" panose="00020600040101010101" pitchFamily="18" charset="-122"/>
-              <a:cs typeface="阿里巴巴普惠体 B" panose="00020600040101010101" pitchFamily="18" charset="-122"/>
+            <a:endParaRPr lang="en-US" altLang="zh-CN" dirty="0">
+              <a:latin typeface="Fira Code SemiBold" charset="0"/>
+              <a:ea typeface="黑体" panose="02010609060101010101" charset="-122"/>
+              <a:cs typeface="Fira Code SemiBold" charset="0"/>
             </a:endParaRPr>
           </a:p>
         </p:txBody>
       </p:sp>
       <p:sp>
         <p:nvSpPr>
-          <p:cNvPr id="10" name="矩形: 圆角 9">
-            <a:extLst>
-              <a:ext uri="{FF2B5EF4-FFF2-40B4-BE49-F238E27FC236}">
-                <a16:creationId xmlns:a16="http://schemas.microsoft.com/office/drawing/2014/main" id="{C79C24E9-C98F-7DFB-35E1-BD052FDB6D4C}"/>
-              </a:ext>
-            </a:extLst>
-          </p:cNvPr>
-          <p:cNvSpPr/>
-          <p:nvPr/>
-        </p:nvSpPr>
-        <p:spPr>
-          <a:xfrm>
-            <a:off x="2478038" y="1905251"/>
-            <a:ext cx="1853156" cy="284276"/>
-          </a:xfrm>
-          <a:prstGeom prst="roundRect">
-            <a:avLst>
-              <a:gd name="adj" fmla="val 4288"/>
-            </a:avLst>
-          </a:prstGeom>
-        </p:spPr>
-        <p:style>
-          <a:lnRef idx="2">
-            <a:schemeClr val="accent2">
-              <a:shade val="50000"/>
-            </a:schemeClr>
-          </a:lnRef>
-          <a:fillRef idx="1">
-            <a:schemeClr val="accent2"/>
-          </a:fillRef>
-          <a:effectRef idx="0">
-            <a:schemeClr val="accent2"/>
-          </a:effectRef>
-          <a:fontRef idx="minor">
-            <a:schemeClr val="lt1"/>
-          </a:fontRef>
-        </p:style>
-        <p:txBody>
-          <a:bodyPr rtlCol="0" anchor="ctr"/>
-          <a:lstStyle/>
-          <a:p>
-            <a:pPr algn="ctr"/>
-            <a:r>
-              <a:rPr lang="en-US" altLang="zh-CN" dirty="0">
-                <a:latin typeface="阿里巴巴普惠体 B" panose="00020600040101010101" pitchFamily="18" charset="-122"/>
-                <a:ea typeface="阿里巴巴普惠体 B" panose="00020600040101010101" pitchFamily="18" charset="-122"/>
-                <a:cs typeface="阿里巴巴普惠体 B" panose="00020600040101010101" pitchFamily="18" charset="-122"/>
-              </a:rPr>
-              <a:t>SPI </a:t>
-            </a:r>
-            <a:r>
-              <a:rPr lang="zh-CN" altLang="en-US" dirty="0">
-                <a:latin typeface="阿里巴巴普惠体 B" panose="00020600040101010101" pitchFamily="18" charset="-122"/>
-                <a:ea typeface="阿里巴巴普惠体 B" panose="00020600040101010101" pitchFamily="18" charset="-122"/>
-                <a:cs typeface="阿里巴巴普惠体 B" panose="00020600040101010101" pitchFamily="18" charset="-122"/>
-              </a:rPr>
-              <a:t>操作</a:t>
-            </a:r>
-            <a:endParaRPr lang="en-US" dirty="0">
-              <a:latin typeface="阿里巴巴普惠体 B" panose="00020600040101010101" pitchFamily="18" charset="-122"/>
-              <a:ea typeface="阿里巴巴普惠体 B" panose="00020600040101010101" pitchFamily="18" charset="-122"/>
-              <a:cs typeface="阿里巴巴普惠体 B" panose="00020600040101010101" pitchFamily="18" charset="-122"/>
-            </a:endParaRPr>
-          </a:p>
-        </p:txBody>
-      </p:sp>
-      <p:sp>
-        <p:nvSpPr>
-          <p:cNvPr id="11" name="矩形: 圆角 10">
-            <a:extLst>
-              <a:ext uri="{FF2B5EF4-FFF2-40B4-BE49-F238E27FC236}">
-                <a16:creationId xmlns:a16="http://schemas.microsoft.com/office/drawing/2014/main" id="{A8C95DD7-8817-5327-766C-F95ACFEE623E}"/>
-              </a:ext>
-            </a:extLst>
-          </p:cNvPr>
+          <p:cNvPr id="11" name="矩形: 圆角 10"/>
           <p:cNvSpPr/>
           <p:nvPr/>
         </p:nvSpPr>
@@ -3767,37 +3250,31 @@
             <a:pPr algn="ctr"/>
             <a:r>
               <a:rPr lang="en-US" altLang="zh-CN" dirty="0">
-                <a:latin typeface="阿里巴巴普惠体 B" panose="00020600040101010101" pitchFamily="18" charset="-122"/>
-                <a:ea typeface="阿里巴巴普惠体 B" panose="00020600040101010101" pitchFamily="18" charset="-122"/>
-                <a:cs typeface="阿里巴巴普惠体 B" panose="00020600040101010101" pitchFamily="18" charset="-122"/>
+                <a:latin typeface="Fira Code SemiBold" charset="0"/>
+                <a:ea typeface="黑体" panose="02010609060101010101" charset="-122"/>
+                <a:cs typeface="Fira Code SemiBold" charset="0"/>
               </a:rPr>
               <a:t>SMHC </a:t>
             </a:r>
             <a:r>
               <a:rPr lang="zh-CN" altLang="en-US" dirty="0">
-                <a:latin typeface="阿里巴巴普惠体 B" panose="00020600040101010101" pitchFamily="18" charset="-122"/>
-                <a:ea typeface="阿里巴巴普惠体 B" panose="00020600040101010101" pitchFamily="18" charset="-122"/>
-                <a:cs typeface="阿里巴巴普惠体 B" panose="00020600040101010101" pitchFamily="18" charset="-122"/>
+                <a:latin typeface="Fira Code SemiBold" charset="0"/>
+                <a:ea typeface="黑体" panose="02010609060101010101" charset="-122"/>
+                <a:cs typeface="Fira Code SemiBold" charset="0"/>
               </a:rPr>
               <a:t>操作</a:t>
             </a:r>
             <a:endParaRPr lang="en-US" dirty="0">
-              <a:latin typeface="阿里巴巴普惠体 B" panose="00020600040101010101" pitchFamily="18" charset="-122"/>
-              <a:ea typeface="阿里巴巴普惠体 B" panose="00020600040101010101" pitchFamily="18" charset="-122"/>
-              <a:cs typeface="阿里巴巴普惠体 B" panose="00020600040101010101" pitchFamily="18" charset="-122"/>
+              <a:latin typeface="Fira Code SemiBold" charset="0"/>
+              <a:ea typeface="黑体" panose="02010609060101010101" charset="-122"/>
+              <a:cs typeface="Fira Code SemiBold" charset="0"/>
             </a:endParaRPr>
           </a:p>
         </p:txBody>
       </p:sp>
       <p:sp>
         <p:nvSpPr>
-          <p:cNvPr id="12" name="矩形: 圆角 11">
-            <a:extLst>
-              <a:ext uri="{FF2B5EF4-FFF2-40B4-BE49-F238E27FC236}">
-                <a16:creationId xmlns:a16="http://schemas.microsoft.com/office/drawing/2014/main" id="{B7DEFA8F-6525-B202-7EAA-E16CBEAF1CEB}"/>
-              </a:ext>
-            </a:extLst>
-          </p:cNvPr>
+          <p:cNvPr id="12" name="矩形: 圆角 11"/>
           <p:cNvSpPr/>
           <p:nvPr/>
         </p:nvSpPr>
@@ -3835,44 +3312,38 @@
             <a:pPr algn="ctr"/>
             <a:r>
               <a:rPr lang="en-US" altLang="zh-CN" dirty="0">
-                <a:latin typeface="阿里巴巴普惠体 B" panose="00020600040101010101" pitchFamily="18" charset="-122"/>
-                <a:ea typeface="阿里巴巴普惠体 B" panose="00020600040101010101" pitchFamily="18" charset="-122"/>
-                <a:cs typeface="阿里巴巴普惠体 B" panose="00020600040101010101" pitchFamily="18" charset="-122"/>
+                <a:latin typeface="Fira Code SemiBold" charset="0"/>
+                <a:ea typeface="黑体" panose="02010609060101010101" charset="-122"/>
+                <a:cs typeface="Fira Code SemiBold" charset="0"/>
               </a:rPr>
               <a:t>DRAM </a:t>
             </a:r>
             <a:r>
               <a:rPr lang="zh-CN" altLang="en-US" dirty="0">
-                <a:latin typeface="阿里巴巴普惠体 B" panose="00020600040101010101" pitchFamily="18" charset="-122"/>
-                <a:ea typeface="阿里巴巴普惠体 B" panose="00020600040101010101" pitchFamily="18" charset="-122"/>
-                <a:cs typeface="阿里巴巴普惠体 B" panose="00020600040101010101" pitchFamily="18" charset="-122"/>
+                <a:latin typeface="Fira Code SemiBold" charset="0"/>
+                <a:ea typeface="黑体" panose="02010609060101010101" charset="-122"/>
+                <a:cs typeface="Fira Code SemiBold" charset="0"/>
               </a:rPr>
               <a:t>操作</a:t>
             </a:r>
             <a:endParaRPr lang="en-US" dirty="0">
-              <a:latin typeface="阿里巴巴普惠体 B" panose="00020600040101010101" pitchFamily="18" charset="-122"/>
-              <a:ea typeface="阿里巴巴普惠体 B" panose="00020600040101010101" pitchFamily="18" charset="-122"/>
-              <a:cs typeface="阿里巴巴普惠体 B" panose="00020600040101010101" pitchFamily="18" charset="-122"/>
+              <a:latin typeface="Fira Code SemiBold" charset="0"/>
+              <a:ea typeface="黑体" panose="02010609060101010101" charset="-122"/>
+              <a:cs typeface="Fira Code SemiBold" charset="0"/>
             </a:endParaRPr>
           </a:p>
         </p:txBody>
       </p:sp>
       <p:sp>
         <p:nvSpPr>
-          <p:cNvPr id="13" name="矩形: 圆角 12">
-            <a:extLst>
-              <a:ext uri="{FF2B5EF4-FFF2-40B4-BE49-F238E27FC236}">
-                <a16:creationId xmlns:a16="http://schemas.microsoft.com/office/drawing/2014/main" id="{36740368-8838-F1CA-CE5C-679B45B100E4}"/>
-              </a:ext>
-            </a:extLst>
-          </p:cNvPr>
+          <p:cNvPr id="13" name="矩形: 圆角 12"/>
           <p:cNvSpPr/>
           <p:nvPr/>
         </p:nvSpPr>
         <p:spPr>
           <a:xfrm>
-            <a:off x="2475044" y="2353500"/>
-            <a:ext cx="941762" cy="437875"/>
+            <a:off x="2472055" y="1905000"/>
+            <a:ext cx="941705" cy="587375"/>
           </a:xfrm>
           <a:prstGeom prst="roundRect">
             <a:avLst>
@@ -3903,36 +3374,30 @@
             <a:pPr algn="ctr"/>
             <a:r>
               <a:rPr lang="en-US" altLang="zh-CN" dirty="0">
-                <a:latin typeface="阿里巴巴普惠体 B" panose="00020600040101010101" pitchFamily="18" charset="-122"/>
-                <a:ea typeface="阿里巴巴普惠体 B" panose="00020600040101010101" pitchFamily="18" charset="-122"/>
-                <a:cs typeface="阿里巴巴普惠体 B" panose="00020600040101010101" pitchFamily="18" charset="-122"/>
+                <a:latin typeface="Fira Code SemiBold" charset="0"/>
+                <a:ea typeface="黑体" panose="02010609060101010101" charset="-122"/>
+                <a:cs typeface="Fira Code SemiBold" charset="0"/>
               </a:rPr>
               <a:t>NAND</a:t>
             </a:r>
-            <a:endParaRPr lang="en-US" dirty="0">
-              <a:latin typeface="阿里巴巴普惠体 B" panose="00020600040101010101" pitchFamily="18" charset="-122"/>
-              <a:ea typeface="阿里巴巴普惠体 B" panose="00020600040101010101" pitchFamily="18" charset="-122"/>
-              <a:cs typeface="阿里巴巴普惠体 B" panose="00020600040101010101" pitchFamily="18" charset="-122"/>
+            <a:endParaRPr lang="en-US" altLang="zh-CN" dirty="0">
+              <a:latin typeface="Fira Code SemiBold" charset="0"/>
+              <a:ea typeface="黑体" panose="02010609060101010101" charset="-122"/>
+              <a:cs typeface="Fira Code SemiBold" charset="0"/>
             </a:endParaRPr>
           </a:p>
         </p:txBody>
       </p:sp>
       <p:sp>
         <p:nvSpPr>
-          <p:cNvPr id="14" name="矩形: 圆角 13">
-            <a:extLst>
-              <a:ext uri="{FF2B5EF4-FFF2-40B4-BE49-F238E27FC236}">
-                <a16:creationId xmlns:a16="http://schemas.microsoft.com/office/drawing/2014/main" id="{8545ACD8-95ED-53C1-774D-B41EEF7664F9}"/>
-              </a:ext>
-            </a:extLst>
-          </p:cNvPr>
+          <p:cNvPr id="14" name="矩形: 圆角 13"/>
           <p:cNvSpPr/>
           <p:nvPr/>
         </p:nvSpPr>
         <p:spPr>
           <a:xfrm>
-            <a:off x="3605824" y="2353500"/>
-            <a:ext cx="728458" cy="437875"/>
+            <a:off x="3590290" y="1905000"/>
+            <a:ext cx="728345" cy="587375"/>
           </a:xfrm>
           <a:prstGeom prst="roundRect">
             <a:avLst>
@@ -3963,29 +3428,23 @@
             <a:pPr algn="ctr"/>
             <a:r>
               <a:rPr lang="en-US" altLang="zh-CN" dirty="0">
-                <a:latin typeface="阿里巴巴普惠体 B" panose="00020600040101010101" pitchFamily="18" charset="-122"/>
-                <a:ea typeface="阿里巴巴普惠体 B" panose="00020600040101010101" pitchFamily="18" charset="-122"/>
-                <a:cs typeface="阿里巴巴普惠体 B" panose="00020600040101010101" pitchFamily="18" charset="-122"/>
+                <a:latin typeface="Fira Code SemiBold" charset="0"/>
+                <a:ea typeface="黑体" panose="02010609060101010101" charset="-122"/>
+                <a:cs typeface="Fira Code SemiBold" charset="0"/>
               </a:rPr>
               <a:t>NOR</a:t>
             </a:r>
-            <a:endParaRPr lang="en-US" dirty="0">
-              <a:latin typeface="阿里巴巴普惠体 B" panose="00020600040101010101" pitchFamily="18" charset="-122"/>
-              <a:ea typeface="阿里巴巴普惠体 B" panose="00020600040101010101" pitchFamily="18" charset="-122"/>
-              <a:cs typeface="阿里巴巴普惠体 B" panose="00020600040101010101" pitchFamily="18" charset="-122"/>
+            <a:endParaRPr lang="en-US" altLang="zh-CN" dirty="0">
+              <a:latin typeface="Fira Code SemiBold" charset="0"/>
+              <a:ea typeface="黑体" panose="02010609060101010101" charset="-122"/>
+              <a:cs typeface="Fira Code SemiBold" charset="0"/>
             </a:endParaRPr>
           </a:p>
         </p:txBody>
       </p:sp>
       <p:sp>
         <p:nvSpPr>
-          <p:cNvPr id="15" name="矩形: 圆角 14">
-            <a:extLst>
-              <a:ext uri="{FF2B5EF4-FFF2-40B4-BE49-F238E27FC236}">
-                <a16:creationId xmlns:a16="http://schemas.microsoft.com/office/drawing/2014/main" id="{1E94E2BA-85E2-8745-6648-8C82610A2156}"/>
-              </a:ext>
-            </a:extLst>
-          </p:cNvPr>
+          <p:cNvPr id="15" name="矩形: 圆角 14"/>
           <p:cNvSpPr/>
           <p:nvPr/>
         </p:nvSpPr>
@@ -4023,24 +3482,23 @@
             <a:pPr algn="ctr"/>
             <a:r>
               <a:rPr lang="en-US" sz="1600" dirty="0">
-                <a:latin typeface="阿里巴巴普惠体 B" panose="00020600040101010101" pitchFamily="18" charset="-122"/>
-                <a:ea typeface="阿里巴巴普惠体 B" panose="00020600040101010101" pitchFamily="18" charset="-122"/>
-                <a:cs typeface="阿里巴巴普惠体 B" panose="00020600040101010101" pitchFamily="18" charset="-122"/>
+                <a:latin typeface="Fira Code SemiBold" charset="0"/>
+                <a:ea typeface="黑体" panose="02010609060101010101" charset="-122"/>
+                <a:cs typeface="Fira Code SemiBold" charset="0"/>
               </a:rPr>
               <a:t>eMMC</a:t>
             </a:r>
-          </a:p>
-        </p:txBody>
-      </p:sp>
-      <p:sp>
-        <p:nvSpPr>
-          <p:cNvPr id="16" name="矩形: 圆角 15">
-            <a:extLst>
-              <a:ext uri="{FF2B5EF4-FFF2-40B4-BE49-F238E27FC236}">
-                <a16:creationId xmlns:a16="http://schemas.microsoft.com/office/drawing/2014/main" id="{107158D3-35C1-E4DA-6467-DFEE1D72F6A7}"/>
-              </a:ext>
-            </a:extLst>
-          </p:cNvPr>
+            <a:endParaRPr lang="en-US" sz="1600" dirty="0">
+              <a:latin typeface="Fira Code SemiBold" charset="0"/>
+              <a:ea typeface="黑体" panose="02010609060101010101" charset="-122"/>
+              <a:cs typeface="Fira Code SemiBold" charset="0"/>
+            </a:endParaRPr>
+          </a:p>
+        </p:txBody>
+      </p:sp>
+      <p:sp>
+        <p:nvSpPr>
+          <p:cNvPr id="16" name="矩形: 圆角 15"/>
           <p:cNvSpPr/>
           <p:nvPr/>
         </p:nvSpPr>
@@ -4078,24 +3536,23 @@
             <a:pPr algn="ctr"/>
             <a:r>
               <a:rPr lang="en-US" dirty="0">
-                <a:latin typeface="阿里巴巴普惠体 B" panose="00020600040101010101" pitchFamily="18" charset="-122"/>
-                <a:ea typeface="阿里巴巴普惠体 B" panose="00020600040101010101" pitchFamily="18" charset="-122"/>
-                <a:cs typeface="阿里巴巴普惠体 B" panose="00020600040101010101" pitchFamily="18" charset="-122"/>
+                <a:latin typeface="Fira Code SemiBold" charset="0"/>
+                <a:ea typeface="黑体" panose="02010609060101010101" charset="-122"/>
+                <a:cs typeface="Fira Code SemiBold" charset="0"/>
               </a:rPr>
               <a:t>TF</a:t>
             </a:r>
-          </a:p>
-        </p:txBody>
-      </p:sp>
-      <p:sp>
-        <p:nvSpPr>
-          <p:cNvPr id="17" name="矩形: 圆角 16">
-            <a:extLst>
-              <a:ext uri="{FF2B5EF4-FFF2-40B4-BE49-F238E27FC236}">
-                <a16:creationId xmlns:a16="http://schemas.microsoft.com/office/drawing/2014/main" id="{F29E4258-EE62-9380-2973-0554E4EB2F28}"/>
-              </a:ext>
-            </a:extLst>
-          </p:cNvPr>
+            <a:endParaRPr lang="en-US" dirty="0">
+              <a:latin typeface="Fira Code SemiBold" charset="0"/>
+              <a:ea typeface="黑体" panose="02010609060101010101" charset="-122"/>
+              <a:cs typeface="Fira Code SemiBold" charset="0"/>
+            </a:endParaRPr>
+          </a:p>
+        </p:txBody>
+      </p:sp>
+      <p:sp>
+        <p:nvSpPr>
+          <p:cNvPr id="17" name="矩形: 圆角 16"/>
           <p:cNvSpPr/>
           <p:nvPr/>
         </p:nvSpPr>
@@ -4133,15 +3590,15 @@
             <a:pPr algn="ctr"/>
             <a:r>
               <a:rPr lang="zh-CN" altLang="en-US" dirty="0">
-                <a:latin typeface="阿里巴巴普惠体 B" panose="00020600040101010101" pitchFamily="18" charset="-122"/>
-                <a:ea typeface="阿里巴巴普惠体 B" panose="00020600040101010101" pitchFamily="18" charset="-122"/>
+                <a:latin typeface="Fira Code SemiBold" charset="0"/>
+                <a:ea typeface="黑体" panose="02010609060101010101" charset="-122"/>
                 <a:cs typeface="阿里巴巴普惠体 B" panose="00020600040101010101" pitchFamily="18" charset="-122"/>
               </a:rPr>
               <a:t>时序</a:t>
             </a:r>
-            <a:endParaRPr lang="en-US" dirty="0">
-              <a:latin typeface="阿里巴巴普惠体 B" panose="00020600040101010101" pitchFamily="18" charset="-122"/>
-              <a:ea typeface="阿里巴巴普惠体 B" panose="00020600040101010101" pitchFamily="18" charset="-122"/>
+            <a:endParaRPr lang="zh-CN" altLang="en-US" dirty="0">
+              <a:latin typeface="Fira Code SemiBold" charset="0"/>
+              <a:ea typeface="黑体" panose="02010609060101010101" charset="-122"/>
               <a:cs typeface="阿里巴巴普惠体 B" panose="00020600040101010101" pitchFamily="18" charset="-122"/>
             </a:endParaRPr>
           </a:p>
@@ -4149,13 +3606,7 @@
       </p:sp>
       <p:sp>
         <p:nvSpPr>
-          <p:cNvPr id="18" name="矩形: 圆角 17">
-            <a:extLst>
-              <a:ext uri="{FF2B5EF4-FFF2-40B4-BE49-F238E27FC236}">
-                <a16:creationId xmlns:a16="http://schemas.microsoft.com/office/drawing/2014/main" id="{71808CB3-D8B1-0D9C-8CEE-0421B740CF36}"/>
-              </a:ext>
-            </a:extLst>
-          </p:cNvPr>
+          <p:cNvPr id="18" name="矩形: 圆角 17"/>
           <p:cNvSpPr/>
           <p:nvPr/>
         </p:nvSpPr>
@@ -4193,15 +3644,15 @@
             <a:pPr algn="ctr"/>
             <a:r>
               <a:rPr lang="zh-CN" altLang="en-US" dirty="0">
-                <a:latin typeface="阿里巴巴普惠体 B" panose="00020600040101010101" pitchFamily="18" charset="-122"/>
-                <a:ea typeface="阿里巴巴普惠体 B" panose="00020600040101010101" pitchFamily="18" charset="-122"/>
+                <a:latin typeface="Fira Code SemiBold" charset="0"/>
+                <a:ea typeface="黑体" panose="02010609060101010101" charset="-122"/>
                 <a:cs typeface="阿里巴巴普惠体 B" panose="00020600040101010101" pitchFamily="18" charset="-122"/>
               </a:rPr>
               <a:t>补偿</a:t>
             </a:r>
-            <a:endParaRPr lang="en-US" dirty="0">
-              <a:latin typeface="阿里巴巴普惠体 B" panose="00020600040101010101" pitchFamily="18" charset="-122"/>
-              <a:ea typeface="阿里巴巴普惠体 B" panose="00020600040101010101" pitchFamily="18" charset="-122"/>
+            <a:endParaRPr lang="zh-CN" altLang="en-US" dirty="0">
+              <a:latin typeface="Fira Code SemiBold" charset="0"/>
+              <a:ea typeface="黑体" panose="02010609060101010101" charset="-122"/>
               <a:cs typeface="阿里巴巴普惠体 B" panose="00020600040101010101" pitchFamily="18" charset="-122"/>
             </a:endParaRPr>
           </a:p>
@@ -4209,13 +3660,7 @@
       </p:sp>
       <p:sp>
         <p:nvSpPr>
-          <p:cNvPr id="19" name="矩形: 圆角 18">
-            <a:extLst>
-              <a:ext uri="{FF2B5EF4-FFF2-40B4-BE49-F238E27FC236}">
-                <a16:creationId xmlns:a16="http://schemas.microsoft.com/office/drawing/2014/main" id="{49C3F1F1-BC47-B055-3382-206475B02AF6}"/>
-              </a:ext>
-            </a:extLst>
-          </p:cNvPr>
+          <p:cNvPr id="19" name="矩形: 圆角 18"/>
           <p:cNvSpPr/>
           <p:nvPr/>
         </p:nvSpPr>
@@ -4253,29 +3698,23 @@
             <a:pPr algn="ctr"/>
             <a:r>
               <a:rPr lang="en-US" altLang="zh-CN" dirty="0">
-                <a:latin typeface="阿里巴巴普惠体 B" panose="00020600040101010101" pitchFamily="18" charset="-122"/>
-                <a:ea typeface="阿里巴巴普惠体 B" panose="00020600040101010101" pitchFamily="18" charset="-122"/>
-                <a:cs typeface="阿里巴巴普惠体 B" panose="00020600040101010101" pitchFamily="18" charset="-122"/>
+                <a:latin typeface="Fira Code SemiBold" charset="0"/>
+                <a:ea typeface="黑体" panose="02010609060101010101" charset="-122"/>
+                <a:cs typeface="Fira Code SemiBold" charset="0"/>
               </a:rPr>
               <a:t>JTAG</a:t>
             </a:r>
-            <a:endParaRPr lang="en-US" dirty="0">
-              <a:latin typeface="阿里巴巴普惠体 B" panose="00020600040101010101" pitchFamily="18" charset="-122"/>
-              <a:ea typeface="阿里巴巴普惠体 B" panose="00020600040101010101" pitchFamily="18" charset="-122"/>
-              <a:cs typeface="阿里巴巴普惠体 B" panose="00020600040101010101" pitchFamily="18" charset="-122"/>
+            <a:endParaRPr lang="en-US" altLang="zh-CN" dirty="0">
+              <a:latin typeface="Fira Code SemiBold" charset="0"/>
+              <a:ea typeface="黑体" panose="02010609060101010101" charset="-122"/>
+              <a:cs typeface="Fira Code SemiBold" charset="0"/>
             </a:endParaRPr>
           </a:p>
         </p:txBody>
       </p:sp>
       <p:sp>
         <p:nvSpPr>
-          <p:cNvPr id="20" name="矩形: 圆角 19">
-            <a:extLst>
-              <a:ext uri="{FF2B5EF4-FFF2-40B4-BE49-F238E27FC236}">
-                <a16:creationId xmlns:a16="http://schemas.microsoft.com/office/drawing/2014/main" id="{3ADE632F-3989-DBC1-2522-B2C36E4B6055}"/>
-              </a:ext>
-            </a:extLst>
-          </p:cNvPr>
+          <p:cNvPr id="20" name="矩形: 圆角 19"/>
           <p:cNvSpPr/>
           <p:nvPr/>
         </p:nvSpPr>
@@ -4313,29 +3752,23 @@
             <a:pPr algn="ctr"/>
             <a:r>
               <a:rPr lang="en-US" altLang="zh-CN" dirty="0">
-                <a:latin typeface="阿里巴巴普惠体 B" panose="00020600040101010101" pitchFamily="18" charset="-122"/>
-                <a:ea typeface="阿里巴巴普惠体 B" panose="00020600040101010101" pitchFamily="18" charset="-122"/>
-                <a:cs typeface="阿里巴巴普惠体 B" panose="00020600040101010101" pitchFamily="18" charset="-122"/>
+                <a:latin typeface="Fira Code SemiBold" charset="0"/>
+                <a:ea typeface="黑体" panose="02010609060101010101" charset="-122"/>
+                <a:cs typeface="Fira Code SemiBold" charset="0"/>
               </a:rPr>
               <a:t>RST</a:t>
             </a:r>
-            <a:endParaRPr lang="en-US" dirty="0">
-              <a:latin typeface="阿里巴巴普惠体 B" panose="00020600040101010101" pitchFamily="18" charset="-122"/>
-              <a:ea typeface="阿里巴巴普惠体 B" panose="00020600040101010101" pitchFamily="18" charset="-122"/>
-              <a:cs typeface="阿里巴巴普惠体 B" panose="00020600040101010101" pitchFamily="18" charset="-122"/>
+            <a:endParaRPr lang="en-US" altLang="zh-CN" dirty="0">
+              <a:latin typeface="Fira Code SemiBold" charset="0"/>
+              <a:ea typeface="黑体" panose="02010609060101010101" charset="-122"/>
+              <a:cs typeface="Fira Code SemiBold" charset="0"/>
             </a:endParaRPr>
           </a:p>
         </p:txBody>
       </p:sp>
       <p:sp>
         <p:nvSpPr>
-          <p:cNvPr id="21" name="矩形: 圆角 20">
-            <a:extLst>
-              <a:ext uri="{FF2B5EF4-FFF2-40B4-BE49-F238E27FC236}">
-                <a16:creationId xmlns:a16="http://schemas.microsoft.com/office/drawing/2014/main" id="{059EA490-5F4C-4134-3AF3-5908EDBF04E6}"/>
-              </a:ext>
-            </a:extLst>
-          </p:cNvPr>
+          <p:cNvPr id="21" name="矩形: 圆角 20"/>
           <p:cNvSpPr/>
           <p:nvPr/>
         </p:nvSpPr>
@@ -4373,29 +3806,23 @@
             <a:pPr algn="ctr"/>
             <a:r>
               <a:rPr lang="en-US" altLang="zh-CN" dirty="0">
-                <a:latin typeface="阿里巴巴普惠体 B" panose="00020600040101010101" pitchFamily="18" charset="-122"/>
-                <a:ea typeface="阿里巴巴普惠体 B" panose="00020600040101010101" pitchFamily="18" charset="-122"/>
-                <a:cs typeface="阿里巴巴普惠体 B" panose="00020600040101010101" pitchFamily="18" charset="-122"/>
+                <a:latin typeface="Fira Code SemiBold" charset="0"/>
+                <a:ea typeface="黑体" panose="02010609060101010101" charset="-122"/>
+                <a:cs typeface="Fira Code SemiBold" charset="0"/>
               </a:rPr>
               <a:t>USB IO</a:t>
             </a:r>
-            <a:endParaRPr lang="en-US" dirty="0">
-              <a:latin typeface="阿里巴巴普惠体 B" panose="00020600040101010101" pitchFamily="18" charset="-122"/>
-              <a:ea typeface="阿里巴巴普惠体 B" panose="00020600040101010101" pitchFamily="18" charset="-122"/>
-              <a:cs typeface="阿里巴巴普惠体 B" panose="00020600040101010101" pitchFamily="18" charset="-122"/>
+            <a:endParaRPr lang="en-US" altLang="zh-CN" dirty="0">
+              <a:latin typeface="Fira Code SemiBold" charset="0"/>
+              <a:ea typeface="黑体" panose="02010609060101010101" charset="-122"/>
+              <a:cs typeface="Fira Code SemiBold" charset="0"/>
             </a:endParaRPr>
           </a:p>
         </p:txBody>
       </p:sp>
       <p:sp>
         <p:nvSpPr>
-          <p:cNvPr id="22" name="矩形: 圆角 21">
-            <a:extLst>
-              <a:ext uri="{FF2B5EF4-FFF2-40B4-BE49-F238E27FC236}">
-                <a16:creationId xmlns:a16="http://schemas.microsoft.com/office/drawing/2014/main" id="{60528AD5-3C16-FA70-7CB7-CD6B6556F62E}"/>
-              </a:ext>
-            </a:extLst>
-          </p:cNvPr>
+          <p:cNvPr id="22" name="矩形: 圆角 21"/>
           <p:cNvSpPr/>
           <p:nvPr/>
         </p:nvSpPr>
@@ -4433,36 +3860,30 @@
             <a:pPr algn="ctr"/>
             <a:r>
               <a:rPr lang="en-US" altLang="zh-CN" dirty="0">
-                <a:latin typeface="阿里巴巴普惠体 B" panose="00020600040101010101" pitchFamily="18" charset="-122"/>
-                <a:ea typeface="阿里巴巴普惠体 B" panose="00020600040101010101" pitchFamily="18" charset="-122"/>
-                <a:cs typeface="阿里巴巴普惠体 B" panose="00020600040101010101" pitchFamily="18" charset="-122"/>
+                <a:latin typeface="Fira Code SemiBold" charset="0"/>
+                <a:ea typeface="黑体" panose="02010609060101010101" charset="-122"/>
+                <a:cs typeface="Fira Code SemiBold" charset="0"/>
               </a:rPr>
-              <a:t>LIBUSB</a:t>
-            </a:r>
-            <a:endParaRPr lang="en-US" dirty="0">
-              <a:latin typeface="阿里巴巴普惠体 B" panose="00020600040101010101" pitchFamily="18" charset="-122"/>
-              <a:ea typeface="阿里巴巴普惠体 B" panose="00020600040101010101" pitchFamily="18" charset="-122"/>
-              <a:cs typeface="阿里巴巴普惠体 B" panose="00020600040101010101" pitchFamily="18" charset="-122"/>
+              <a:t>libUSB</a:t>
+            </a:r>
+            <a:endParaRPr lang="en-US" altLang="zh-CN" dirty="0">
+              <a:latin typeface="Fira Code SemiBold" charset="0"/>
+              <a:ea typeface="黑体" panose="02010609060101010101" charset="-122"/>
+              <a:cs typeface="Fira Code SemiBold" charset="0"/>
             </a:endParaRPr>
           </a:p>
         </p:txBody>
       </p:sp>
       <p:sp>
         <p:nvSpPr>
-          <p:cNvPr id="2" name="矩形: 圆角 1">
-            <a:extLst>
-              <a:ext uri="{FF2B5EF4-FFF2-40B4-BE49-F238E27FC236}">
-                <a16:creationId xmlns:a16="http://schemas.microsoft.com/office/drawing/2014/main" id="{4CB8E84A-378C-4B40-E0EB-F515CC7FE3C7}"/>
-              </a:ext>
-            </a:extLst>
-          </p:cNvPr>
+          <p:cNvPr id="2" name="矩形: 圆角 1"/>
           <p:cNvSpPr/>
           <p:nvPr/>
         </p:nvSpPr>
         <p:spPr>
           <a:xfrm>
-            <a:off x="2477846" y="2975545"/>
-            <a:ext cx="1853156" cy="284276"/>
+            <a:off x="2477770" y="2665730"/>
+            <a:ext cx="1852930" cy="594360"/>
           </a:xfrm>
           <a:prstGeom prst="roundRect">
             <a:avLst>
@@ -4493,39 +3914,40 @@
             <a:pPr algn="ctr"/>
             <a:r>
               <a:rPr lang="en-US" altLang="zh-CN" dirty="0">
-                <a:latin typeface="阿里巴巴普惠体 B" panose="00020600040101010101" pitchFamily="18" charset="-122"/>
-                <a:ea typeface="阿里巴巴普惠体 B" panose="00020600040101010101" pitchFamily="18" charset="-122"/>
-                <a:cs typeface="阿里巴巴普惠体 B" panose="00020600040101010101" pitchFamily="18" charset="-122"/>
+                <a:latin typeface="Fira Code SemiBold" charset="0"/>
+                <a:ea typeface="黑体" panose="02010609060101010101" charset="-122"/>
+                <a:cs typeface="Fira Code SemiBold" charset="0"/>
               </a:rPr>
               <a:t>SPI </a:t>
             </a:r>
             <a:r>
               <a:rPr lang="zh-CN" altLang="en-US" dirty="0">
-                <a:latin typeface="阿里巴巴普惠体 B" panose="00020600040101010101" pitchFamily="18" charset="-122"/>
-                <a:ea typeface="阿里巴巴普惠体 B" panose="00020600040101010101" pitchFamily="18" charset="-122"/>
-                <a:cs typeface="阿里巴巴普惠体 B" panose="00020600040101010101" pitchFamily="18" charset="-122"/>
+                <a:latin typeface="Fira Code SemiBold" charset="0"/>
+                <a:ea typeface="黑体" panose="02010609060101010101" charset="-122"/>
+                <a:cs typeface="Fira Code SemiBold" charset="0"/>
               </a:rPr>
               <a:t>通用</a:t>
             </a:r>
             <a:endParaRPr lang="en-US" dirty="0">
-              <a:latin typeface="阿里巴巴普惠体 B" panose="00020600040101010101" pitchFamily="18" charset="-122"/>
-              <a:ea typeface="阿里巴巴普惠体 B" panose="00020600040101010101" pitchFamily="18" charset="-122"/>
-              <a:cs typeface="阿里巴巴普惠体 B" panose="00020600040101010101" pitchFamily="18" charset="-122"/>
+              <a:latin typeface="Fira Code SemiBold" charset="0"/>
+              <a:ea typeface="黑体" panose="02010609060101010101" charset="-122"/>
+              <a:cs typeface="Fira Code SemiBold" charset="0"/>
             </a:endParaRPr>
           </a:p>
         </p:txBody>
       </p:sp>
     </p:spTree>
-    <p:extLst>
-      <p:ext uri="{BB962C8B-B14F-4D97-AF65-F5344CB8AC3E}">
-        <p14:creationId xmlns:p14="http://schemas.microsoft.com/office/powerpoint/2010/main" val="2465381993"/>
-      </p:ext>
-    </p:extLst>
   </p:cSld>
   <p:clrMapOvr>
     <a:masterClrMapping/>
   </p:clrMapOvr>
 </p:sld>
+</file>
+
+<file path=ppt/tags/tag1.xml><?xml version="1.0" encoding="utf-8"?>
+<p:tagLst xmlns:p="http://schemas.openxmlformats.org/presentationml/2006/main">
+  <p:tag name="COMMONDATA" val="eyJoZGlkIjoiODUyN2MyMGMxOGVjN2NmMTEyYTIyZGMzOWIxYzMwMzMifQ=="/>
+</p:tagLst>
 </file>
 
 <file path=ppt/theme/theme1.xml><?xml version="1.0" encoding="utf-8"?>
@@ -4571,7 +3993,7 @@
     </a:clrScheme>
     <a:fontScheme name="Office">
       <a:majorFont>
-        <a:latin typeface="Calibri Light" panose="020F0302020204030204"/>
+        <a:latin typeface="Calibri Light"/>
         <a:ea typeface=""/>
         <a:cs typeface=""/>
         <a:font script="Jpan" typeface="游ゴシック Light"/>
@@ -4604,26 +4026,9 @@
         <a:font script="Viet" typeface="Times New Roman"/>
         <a:font script="Uigh" typeface="Microsoft Uighur"/>
         <a:font script="Geor" typeface="Sylfaen"/>
-        <a:font script="Armn" typeface="Arial"/>
-        <a:font script="Bugi" typeface="Leelawadee UI"/>
-        <a:font script="Bopo" typeface="Microsoft JhengHei"/>
-        <a:font script="Java" typeface="Javanese Text"/>
-        <a:font script="Lisu" typeface="Segoe UI"/>
-        <a:font script="Mymr" typeface="Myanmar Text"/>
-        <a:font script="Nkoo" typeface="Ebrima"/>
-        <a:font script="Olck" typeface="Nirmala UI"/>
-        <a:font script="Osma" typeface="Ebrima"/>
-        <a:font script="Phag" typeface="Phagspa"/>
-        <a:font script="Syrn" typeface="Estrangelo Edessa"/>
-        <a:font script="Syrj" typeface="Estrangelo Edessa"/>
-        <a:font script="Syre" typeface="Estrangelo Edessa"/>
-        <a:font script="Sora" typeface="Nirmala UI"/>
-        <a:font script="Tale" typeface="Microsoft Tai Le"/>
-        <a:font script="Talu" typeface="Microsoft New Tai Lue"/>
-        <a:font script="Tfng" typeface="Ebrima"/>
       </a:majorFont>
       <a:minorFont>
-        <a:latin typeface="Calibri" panose="020F0502020204030204"/>
+        <a:latin typeface="Calibri"/>
         <a:ea typeface=""/>
         <a:cs typeface=""/>
         <a:font script="Jpan" typeface="游ゴシック"/>
@@ -4656,23 +4061,6 @@
         <a:font script="Viet" typeface="Arial"/>
         <a:font script="Uigh" typeface="Microsoft Uighur"/>
         <a:font script="Geor" typeface="Sylfaen"/>
-        <a:font script="Armn" typeface="Arial"/>
-        <a:font script="Bugi" typeface="Leelawadee UI"/>
-        <a:font script="Bopo" typeface="Microsoft JhengHei"/>
-        <a:font script="Java" typeface="Javanese Text"/>
-        <a:font script="Lisu" typeface="Segoe UI"/>
-        <a:font script="Mymr" typeface="Myanmar Text"/>
-        <a:font script="Nkoo" typeface="Ebrima"/>
-        <a:font script="Olck" typeface="Nirmala UI"/>
-        <a:font script="Osma" typeface="Ebrima"/>
-        <a:font script="Phag" typeface="Phagspa"/>
-        <a:font script="Syrn" typeface="Estrangelo Edessa"/>
-        <a:font script="Syrj" typeface="Estrangelo Edessa"/>
-        <a:font script="Syre" typeface="Estrangelo Edessa"/>
-        <a:font script="Sora" typeface="Nirmala UI"/>
-        <a:font script="Tale" typeface="Microsoft Tai Le"/>
-        <a:font script="Talu" typeface="Microsoft New Tai Lue"/>
-        <a:font script="Tfng" typeface="Ebrima"/>
       </a:minorFont>
     </a:fontScheme>
     <a:fmtScheme name="Office">
@@ -4813,8 +4201,6 @@
       </a:bgFillStyleLst>
     </a:fmtScheme>
   </a:themeElements>
-  <a:objectDefaults/>
-  <a:extraClrSchemeLst/>
   <a:extLst>
     <a:ext uri="{05A4C25C-085E-4340-85A3-A5531E510DB2}">
       <thm15:themeFamily xmlns:thm15="http://schemas.microsoft.com/office/thememl/2012/main" name="Office Theme" id="{62F939B6-93AF-4DB8-9C6B-D6C7DFDC589F}" vid="{4A3C46E8-61CC-4603-A589-7422A47A8E4A}"/>
